--- a/MEMORIA PARCIAL/PPT/PPT_PM06.PPTX
+++ b/MEMORIA PARCIAL/PPT/PPT_PM06.PPTX
@@ -125,8 +125,17 @@
 
 <file path=ppt/charts/chart1.xml><?xml version="1.0" encoding="utf-8"?>
 <c:chartSpace xmlns:c="http://schemas.openxmlformats.org/drawingml/2006/chart" xmlns:a="http://schemas.openxmlformats.org/drawingml/2006/main" xmlns:r="http://schemas.openxmlformats.org/officeDocument/2006/relationships">
-  <c:date1904 val="1"/>
-  <c:lang val="es-ES_tradnl"/>
+  <c:date1904 val="0"/>
+  <c:lang val="es-PE"/>
+  <c:roundedCorners val="0"/>
+  <mc:AlternateContent xmlns:mc="http://schemas.openxmlformats.org/markup-compatibility/2006">
+    <mc:Choice xmlns:c14="http://schemas.microsoft.com/office/drawing/2007/8/2/chart" Requires="c14">
+      <c14:style val="102"/>
+    </mc:Choice>
+    <mc:Fallback>
+      <c:style val="2"/>
+    </mc:Fallback>
+  </mc:AlternateContent>
   <c:chart>
     <c:title>
       <c:tx>
@@ -165,7 +174,9 @@
           <c:y val="7.7863917898011517E-2"/>
         </c:manualLayout>
       </c:layout>
+      <c:overlay val="0"/>
     </c:title>
+    <c:autoTitleDeleted val="0"/>
     <c:plotArea>
       <c:layout/>
       <c:pieChart>
@@ -186,6 +197,7 @@
           </c:tx>
           <c:dPt>
             <c:idx val="0"/>
+            <c:bubble3D val="0"/>
             <c:spPr>
               <a:solidFill>
                 <a:srgbClr val="92D050"/>
@@ -194,6 +206,7 @@
           </c:dPt>
           <c:dPt>
             <c:idx val="1"/>
+            <c:bubble3D val="0"/>
             <c:spPr>
               <a:solidFill>
                 <a:schemeClr val="accent5">
@@ -224,7 +237,12 @@
                   </a:p>
                 </c:rich>
               </c:tx>
+              <c:showLegendKey val="0"/>
+              <c:showVal val="0"/>
+              <c:showCatName val="0"/>
+              <c:showSerName val="0"/>
               <c:showPercent val="1"/>
+              <c:showBubbleSize val="0"/>
             </c:dLbl>
             <c:dLbl>
               <c:idx val="1"/>
@@ -247,7 +265,12 @@
                   </a:p>
                 </c:rich>
               </c:tx>
+              <c:showLegendKey val="0"/>
+              <c:showVal val="0"/>
+              <c:showCatName val="0"/>
+              <c:showSerName val="0"/>
               <c:showPercent val="1"/>
+              <c:showBubbleSize val="0"/>
             </c:dLbl>
             <c:txPr>
               <a:bodyPr/>
@@ -256,10 +279,15 @@
                 <a:pPr>
                   <a:defRPr lang="es-PE"/>
                 </a:pPr>
-                <a:endParaRPr lang="es-ES_tradnl"/>
+                <a:endParaRPr lang="es-PE"/>
               </a:p>
             </c:txPr>
+            <c:showLegendKey val="0"/>
+            <c:showVal val="0"/>
+            <c:showCatName val="0"/>
+            <c:showSerName val="0"/>
             <c:showPercent val="1"/>
+            <c:showBubbleSize val="0"/>
             <c:showLeaderLines val="1"/>
           </c:dLbls>
           <c:cat>
@@ -293,7 +321,13 @@
           </c:val>
         </c:ser>
         <c:dLbls>
+          <c:showLegendKey val="0"/>
+          <c:showVal val="0"/>
+          <c:showCatName val="0"/>
+          <c:showSerName val="0"/>
           <c:showPercent val="1"/>
+          <c:showBubbleSize val="0"/>
+          <c:showLeaderLines val="1"/>
         </c:dLbls>
         <c:firstSliceAng val="0"/>
       </c:pieChart>
@@ -301,6 +335,7 @@
     <c:legend>
       <c:legendPos val="r"/>
       <c:layout/>
+      <c:overlay val="0"/>
       <c:txPr>
         <a:bodyPr/>
         <a:lstStyle/>
@@ -310,12 +345,13 @@
               <a:latin typeface="+mj-lt"/>
             </a:defRPr>
           </a:pPr>
-          <a:endParaRPr lang="es-ES_tradnl"/>
+          <a:endParaRPr lang="es-PE"/>
         </a:p>
       </c:txPr>
     </c:legend>
     <c:plotVisOnly val="1"/>
     <c:dispBlanksAs val="zero"/>
+    <c:showDLblsOverMax val="0"/>
   </c:chart>
   <c:txPr>
     <a:bodyPr/>
@@ -324,10 +360,12 @@
       <a:pPr>
         <a:defRPr sz="1800"/>
       </a:pPr>
-      <a:endParaRPr lang="es-ES_tradnl"/>
+      <a:endParaRPr lang="es-PE"/>
     </a:p>
   </c:txPr>
-  <c:externalData r:id="rId1"/>
+  <c:externalData r:id="rId1">
+    <c:autoUpdate val="0"/>
+  </c:externalData>
 </c:chartSpace>
 </file>
 
@@ -4110,22 +4148,22 @@
     </dgm:pt>
   </dgm:ptLst>
   <dgm:cxnLst>
+    <dgm:cxn modelId="{FC6E6CA2-7179-4A48-8688-01CAD70C7430}" srcId="{BF60C6F2-8906-4CC1-8829-B05008E1ACBA}" destId="{8F21B665-C150-4346-9B72-5EEB7F6360AA}" srcOrd="1" destOrd="0" parTransId="{E4FB1C6E-33B1-43C9-90C2-434288E9E2CB}" sibTransId="{0850B2A6-27A7-4973-8282-41659557554E}"/>
+    <dgm:cxn modelId="{D793F652-73A0-4CA3-8567-0F72B6A4B13C}" srcId="{BF60C6F2-8906-4CC1-8829-B05008E1ACBA}" destId="{564D9206-ECD9-43BB-B428-2D6CC6691A5F}" srcOrd="4" destOrd="0" parTransId="{EDF85BFB-F8A8-4A31-BF67-6A9325A6BE3A}" sibTransId="{38504559-4FDB-4CBE-BE5C-BE139351E1ED}"/>
     <dgm:cxn modelId="{1E96EC24-3136-451C-8124-B1AA860C7F76}" srcId="{BF60C6F2-8906-4CC1-8829-B05008E1ACBA}" destId="{C4B94F05-3FBC-4E84-A67F-BD280C9DED8E}" srcOrd="3" destOrd="0" parTransId="{E6A74357-2336-4B39-8760-7A69F86C23A9}" sibTransId="{3ED92DB5-C239-4375-BE7B-FE69644D4FF1}"/>
     <dgm:cxn modelId="{73B12DB8-03E0-4A37-9B46-2B79308B4944}" type="presOf" srcId="{BF60C6F2-8906-4CC1-8829-B05008E1ACBA}" destId="{8B182927-ED17-4B2B-A8C8-76B000729DBC}" srcOrd="0" destOrd="0" presId="urn:microsoft.com/office/officeart/2008/layout/VerticalCurvedList"/>
+    <dgm:cxn modelId="{FCEF8229-FAE7-4AB4-B287-EA2758D3258D}" type="presOf" srcId="{8F21B665-C150-4346-9B72-5EEB7F6360AA}" destId="{B3C85711-6894-4497-9292-DA88DCACD5F3}" srcOrd="0" destOrd="0" presId="urn:microsoft.com/office/officeart/2008/layout/VerticalCurvedList"/>
+    <dgm:cxn modelId="{AB009F41-FAFF-4288-9690-5D3AB56B94A2}" type="presOf" srcId="{29FC6AD6-FF8A-4646-B06C-2BACB48BF1A3}" destId="{7728D2D9-D3FB-45A8-8F82-40A57DBE13E4}" srcOrd="0" destOrd="0" presId="urn:microsoft.com/office/officeart/2008/layout/VerticalCurvedList"/>
+    <dgm:cxn modelId="{7CBA7293-8C0A-460D-B269-22EC7474FD21}" type="presOf" srcId="{564D9206-ECD9-43BB-B428-2D6CC6691A5F}" destId="{05DB2FFE-75EA-4CE9-9FFB-C9DC7537AEF7}" srcOrd="0" destOrd="0" presId="urn:microsoft.com/office/officeart/2008/layout/VerticalCurvedList"/>
     <dgm:cxn modelId="{694A3211-7D4D-4859-A0E1-18433B64F5A1}" type="presOf" srcId="{C4B94F05-3FBC-4E84-A67F-BD280C9DED8E}" destId="{EBCA7552-EF4E-4AA2-89DF-6640E90E6ACE}" srcOrd="0" destOrd="0" presId="urn:microsoft.com/office/officeart/2008/layout/VerticalCurvedList"/>
-    <dgm:cxn modelId="{AB009F41-FAFF-4288-9690-5D3AB56B94A2}" type="presOf" srcId="{29FC6AD6-FF8A-4646-B06C-2BACB48BF1A3}" destId="{7728D2D9-D3FB-45A8-8F82-40A57DBE13E4}" srcOrd="0" destOrd="0" presId="urn:microsoft.com/office/officeart/2008/layout/VerticalCurvedList"/>
+    <dgm:cxn modelId="{CB4371E2-E300-4BB3-9350-74219B95A35C}" srcId="{BF60C6F2-8906-4CC1-8829-B05008E1ACBA}" destId="{29FC6AD6-FF8A-4646-B06C-2BACB48BF1A3}" srcOrd="0" destOrd="0" parTransId="{9E5F1CB8-63F3-4ECF-8E2B-C1296E67A4B2}" sibTransId="{7A35E73F-9B9A-4905-9E03-7DF92CD5F82E}"/>
     <dgm:cxn modelId="{4F5B630E-498F-4C1A-BC73-2E62C5AA0F71}" type="presOf" srcId="{61F71760-953F-44CE-854E-646C5A6CB39F}" destId="{87A69DFC-5364-42D6-9771-3900F1D69A3A}" srcOrd="0" destOrd="0" presId="urn:microsoft.com/office/officeart/2008/layout/VerticalCurvedList"/>
+    <dgm:cxn modelId="{4878D399-D0A9-4602-9ABE-688BAE914E07}" srcId="{BF60C6F2-8906-4CC1-8829-B05008E1ACBA}" destId="{61F71760-953F-44CE-854E-646C5A6CB39F}" srcOrd="5" destOrd="0" parTransId="{4EBEF081-B54B-429E-BA34-41AC5B6D2369}" sibTransId="{EB8F22C1-5D92-4455-9387-594A0C943AC7}"/>
     <dgm:cxn modelId="{AFDF2811-BBBA-4633-8A0E-E1EEB84BB5CF}" type="presOf" srcId="{7A35E73F-9B9A-4905-9E03-7DF92CD5F82E}" destId="{BFF0EFE5-0448-42CD-8D69-1F71A75152AE}" srcOrd="0" destOrd="0" presId="urn:microsoft.com/office/officeart/2008/layout/VerticalCurvedList"/>
+    <dgm:cxn modelId="{5C730772-73EB-45B0-83BF-6D2F3992950F}" srcId="{BF60C6F2-8906-4CC1-8829-B05008E1ACBA}" destId="{9A98120C-01A9-41C2-A04C-87D1BE9F6553}" srcOrd="6" destOrd="0" parTransId="{5A6880C0-4CFC-4EB4-9C54-FB9DDBB0C171}" sibTransId="{02C240DC-ED7D-4191-8AE3-B7F2BD8059A0}"/>
     <dgm:cxn modelId="{5ECB0DDE-FC1D-44F8-AE94-3D7DB8B8B539}" srcId="{BF60C6F2-8906-4CC1-8829-B05008E1ACBA}" destId="{E7004C86-CC89-44C6-8EB1-BBCE37C6F66D}" srcOrd="2" destOrd="0" parTransId="{8EDEC13E-81AA-4D25-B933-5F2C3258B9F3}" sibTransId="{458FA936-F197-4423-B609-8C84E923FF4C}"/>
+    <dgm:cxn modelId="{A752CEAB-F84E-415A-9CD6-1A92E8539081}" type="presOf" srcId="{E7004C86-CC89-44C6-8EB1-BBCE37C6F66D}" destId="{A6A0D773-1F96-4FE8-8D6B-FC58A59AE354}" srcOrd="0" destOrd="0" presId="urn:microsoft.com/office/officeart/2008/layout/VerticalCurvedList"/>
     <dgm:cxn modelId="{03F225CC-01CA-45D2-899B-CCE546A1B8A0}" type="presOf" srcId="{9A98120C-01A9-41C2-A04C-87D1BE9F6553}" destId="{A73C0F23-F3AF-4281-826B-5C4C834502D3}" srcOrd="0" destOrd="0" presId="urn:microsoft.com/office/officeart/2008/layout/VerticalCurvedList"/>
-    <dgm:cxn modelId="{D793F652-73A0-4CA3-8567-0F72B6A4B13C}" srcId="{BF60C6F2-8906-4CC1-8829-B05008E1ACBA}" destId="{564D9206-ECD9-43BB-B428-2D6CC6691A5F}" srcOrd="4" destOrd="0" parTransId="{EDF85BFB-F8A8-4A31-BF67-6A9325A6BE3A}" sibTransId="{38504559-4FDB-4CBE-BE5C-BE139351E1ED}"/>
-    <dgm:cxn modelId="{7CBA7293-8C0A-460D-B269-22EC7474FD21}" type="presOf" srcId="{564D9206-ECD9-43BB-B428-2D6CC6691A5F}" destId="{05DB2FFE-75EA-4CE9-9FFB-C9DC7537AEF7}" srcOrd="0" destOrd="0" presId="urn:microsoft.com/office/officeart/2008/layout/VerticalCurvedList"/>
-    <dgm:cxn modelId="{A752CEAB-F84E-415A-9CD6-1A92E8539081}" type="presOf" srcId="{E7004C86-CC89-44C6-8EB1-BBCE37C6F66D}" destId="{A6A0D773-1F96-4FE8-8D6B-FC58A59AE354}" srcOrd="0" destOrd="0" presId="urn:microsoft.com/office/officeart/2008/layout/VerticalCurvedList"/>
-    <dgm:cxn modelId="{CB4371E2-E300-4BB3-9350-74219B95A35C}" srcId="{BF60C6F2-8906-4CC1-8829-B05008E1ACBA}" destId="{29FC6AD6-FF8A-4646-B06C-2BACB48BF1A3}" srcOrd="0" destOrd="0" parTransId="{9E5F1CB8-63F3-4ECF-8E2B-C1296E67A4B2}" sibTransId="{7A35E73F-9B9A-4905-9E03-7DF92CD5F82E}"/>
-    <dgm:cxn modelId="{5C730772-73EB-45B0-83BF-6D2F3992950F}" srcId="{BF60C6F2-8906-4CC1-8829-B05008E1ACBA}" destId="{9A98120C-01A9-41C2-A04C-87D1BE9F6553}" srcOrd="6" destOrd="0" parTransId="{5A6880C0-4CFC-4EB4-9C54-FB9DDBB0C171}" sibTransId="{02C240DC-ED7D-4191-8AE3-B7F2BD8059A0}"/>
-    <dgm:cxn modelId="{FC6E6CA2-7179-4A48-8688-01CAD70C7430}" srcId="{BF60C6F2-8906-4CC1-8829-B05008E1ACBA}" destId="{8F21B665-C150-4346-9B72-5EEB7F6360AA}" srcOrd="1" destOrd="0" parTransId="{E4FB1C6E-33B1-43C9-90C2-434288E9E2CB}" sibTransId="{0850B2A6-27A7-4973-8282-41659557554E}"/>
-    <dgm:cxn modelId="{FCEF8229-FAE7-4AB4-B287-EA2758D3258D}" type="presOf" srcId="{8F21B665-C150-4346-9B72-5EEB7F6360AA}" destId="{B3C85711-6894-4497-9292-DA88DCACD5F3}" srcOrd="0" destOrd="0" presId="urn:microsoft.com/office/officeart/2008/layout/VerticalCurvedList"/>
-    <dgm:cxn modelId="{4878D399-D0A9-4602-9ABE-688BAE914E07}" srcId="{BF60C6F2-8906-4CC1-8829-B05008E1ACBA}" destId="{61F71760-953F-44CE-854E-646C5A6CB39F}" srcOrd="5" destOrd="0" parTransId="{4EBEF081-B54B-429E-BA34-41AC5B6D2369}" sibTransId="{EB8F22C1-5D92-4455-9387-594A0C943AC7}"/>
     <dgm:cxn modelId="{75A44DF4-87B2-4561-9C49-8169564E48F3}" type="presParOf" srcId="{8B182927-ED17-4B2B-A8C8-76B000729DBC}" destId="{44EE3891-22FB-4123-BA21-C721FF057782}" srcOrd="0" destOrd="0" presId="urn:microsoft.com/office/officeart/2008/layout/VerticalCurvedList"/>
     <dgm:cxn modelId="{03F8211C-2132-456B-925B-698FBB64FF43}" type="presParOf" srcId="{44EE3891-22FB-4123-BA21-C721FF057782}" destId="{358DBE1B-3C37-40E8-9C65-18B34D563C87}" srcOrd="0" destOrd="0" presId="urn:microsoft.com/office/officeart/2008/layout/VerticalCurvedList"/>
     <dgm:cxn modelId="{B167D681-6312-43C7-B740-68C18D867F4B}" type="presParOf" srcId="{358DBE1B-3C37-40E8-9C65-18B34D563C87}" destId="{2AB95113-E2D0-4D33-ACDB-E131CB78CB53}" srcOrd="0" destOrd="0" presId="urn:microsoft.com/office/officeart/2008/layout/VerticalCurvedList"/>
@@ -4158,7 +4196,7 @@
   <dgm:whole/>
   <dgm:extLst>
     <a:ext uri="http://schemas.microsoft.com/office/drawing/2008/diagram">
-      <dsp:dataModelExt xmlns="" xmlns:dsp="http://schemas.microsoft.com/office/drawing/2008/diagram" relId="rId8" minVer="http://schemas.openxmlformats.org/drawingml/2006/diagram"/>
+      <dsp:dataModelExt xmlns:dsp="http://schemas.microsoft.com/office/drawing/2008/diagram" relId="rId8" minVer="http://schemas.openxmlformats.org/drawingml/2006/diagram"/>
     </a:ext>
   </dgm:extLst>
 </dgm:dataModel>
@@ -4600,15 +4638,7 @@
         <a:p>
           <a:r>
             <a:rPr lang="es-PE" sz="1200" b="1" dirty="0" smtClean="0"/>
-            <a:t>Gerente General de </a:t>
-          </a:r>
-          <a:r>
-            <a:rPr lang="es-PE" sz="1200" b="1" dirty="0" smtClean="0"/>
-            <a:t>Empresas </a:t>
-          </a:r>
-          <a:r>
-            <a:rPr lang="es-PE" sz="1200" b="1" dirty="0" smtClean="0"/>
-            <a:t>Virtuales</a:t>
+            <a:t>Gerente General de Empresas Virtuales</a:t>
           </a:r>
           <a:endParaRPr lang="es-PE" sz="1200" b="1" dirty="0"/>
         </a:p>
@@ -5282,41 +5312,41 @@
     </dgm:pt>
   </dgm:ptLst>
   <dgm:cxnLst>
+    <dgm:cxn modelId="{30FA5598-5770-4F8A-80AF-F7F7955E29CD}" type="presOf" srcId="{1168F6A4-1E41-4D02-8364-F4FCB27188E4}" destId="{25343B94-49FB-44BB-AFF9-6C2BB17E8B5E}" srcOrd="0" destOrd="0" presId="urn:microsoft.com/office/officeart/2008/layout/NameandTitleOrganizationalChart"/>
+    <dgm:cxn modelId="{61F97B5D-7447-4A59-9C29-267E79507AB5}" type="presOf" srcId="{FE9BA5E0-76D1-4638-AA36-7407487D19FF}" destId="{BB95E758-77D9-4392-909E-ECD227327D01}" srcOrd="0" destOrd="0" presId="urn:microsoft.com/office/officeart/2008/layout/NameandTitleOrganizationalChart"/>
+    <dgm:cxn modelId="{350F99CE-2E22-4DC0-AE33-EB2CA33AC5B3}" type="presOf" srcId="{742CBE33-1288-4E35-9D67-4BB05F97B1B2}" destId="{BD64B91E-D2AD-4C54-B606-5E516830DC24}" srcOrd="0" destOrd="0" presId="urn:microsoft.com/office/officeart/2008/layout/NameandTitleOrganizationalChart"/>
+    <dgm:cxn modelId="{56B275F4-349A-4E1E-8F43-83EC054B832F}" type="presOf" srcId="{347BC993-1C08-4D2B-9B66-80B98095A79C}" destId="{E0F40A59-B6D0-40C0-8146-DD3DE9BB0E5E}" srcOrd="1" destOrd="0" presId="urn:microsoft.com/office/officeart/2008/layout/NameandTitleOrganizationalChart"/>
+    <dgm:cxn modelId="{20B8FD80-B88A-4FBB-B38C-CF8E059671EF}" type="presOf" srcId="{91FB05EA-4AF6-4D04-A6EF-68292175BEB9}" destId="{79007A5F-79F1-49C2-9557-04F9B95E435E}" srcOrd="0" destOrd="0" presId="urn:microsoft.com/office/officeart/2008/layout/NameandTitleOrganizationalChart"/>
+    <dgm:cxn modelId="{9539820C-A103-4AC4-8063-52782E3BCD63}" type="presOf" srcId="{952FE013-1706-4DBC-9DA1-46041CB6AD92}" destId="{77981FE5-DBCD-4869-8D12-655EDBA1FAA5}" srcOrd="1" destOrd="0" presId="urn:microsoft.com/office/officeart/2008/layout/NameandTitleOrganizationalChart"/>
+    <dgm:cxn modelId="{5769F2F8-6C59-4195-8488-FCE38593F8B7}" type="presOf" srcId="{CD4F10B8-2968-4740-A825-FE79CC1CA096}" destId="{1F03D495-773F-4154-A5DC-766EE2212DD4}" srcOrd="0" destOrd="0" presId="urn:microsoft.com/office/officeart/2008/layout/NameandTitleOrganizationalChart"/>
+    <dgm:cxn modelId="{67F522FC-3CD7-4B64-83BD-0F1E49B6A53E}" type="presOf" srcId="{952FE013-1706-4DBC-9DA1-46041CB6AD92}" destId="{31E0648C-6AA2-4CF2-9136-2EB6D6849F75}" srcOrd="0" destOrd="0" presId="urn:microsoft.com/office/officeart/2008/layout/NameandTitleOrganizationalChart"/>
+    <dgm:cxn modelId="{C4B125D6-5905-43DC-8638-5166379A7736}" type="presOf" srcId="{95520C58-803E-4225-874B-B2C1C5278E29}" destId="{4CDCB448-8D8B-436B-AA1E-AD9E5FB4E25C}" srcOrd="1" destOrd="0" presId="urn:microsoft.com/office/officeart/2008/layout/NameandTitleOrganizationalChart"/>
+    <dgm:cxn modelId="{D81C8901-F3AD-4A7E-9A58-6C9486E16C82}" type="presOf" srcId="{1168F6A4-1E41-4D02-8364-F4FCB27188E4}" destId="{53B01AB6-84B1-4F36-9833-DA65F891A0EB}" srcOrd="1" destOrd="0" presId="urn:microsoft.com/office/officeart/2008/layout/NameandTitleOrganizationalChart"/>
+    <dgm:cxn modelId="{9213A3D5-41CA-46C3-A8ED-D6E18786312C}" type="presOf" srcId="{D0E2CCA9-02B5-41C2-BE3A-E3CC628BC700}" destId="{B9EDA11B-C7AA-43D8-9B53-7713D2CA7FE0}" srcOrd="0" destOrd="0" presId="urn:microsoft.com/office/officeart/2008/layout/NameandTitleOrganizationalChart"/>
+    <dgm:cxn modelId="{43BE1B53-0AF6-4F52-A110-761BCC96FB2F}" type="presOf" srcId="{D54E75F5-A54B-4F2D-B083-9D7C8128EF87}" destId="{91914361-BB6E-47CD-8B5A-440BC7E0D3FC}" srcOrd="0" destOrd="0" presId="urn:microsoft.com/office/officeart/2008/layout/NameandTitleOrganizationalChart"/>
+    <dgm:cxn modelId="{B6C143F9-AFD0-43CF-8B1D-98D7EEE108FC}" type="presOf" srcId="{D39C6B04-3FE6-4169-AD0A-4E10859011E3}" destId="{B9624C1C-CB35-47D2-AFC2-223E979ECE4E}" srcOrd="0" destOrd="0" presId="urn:microsoft.com/office/officeart/2008/layout/NameandTitleOrganizationalChart"/>
+    <dgm:cxn modelId="{42119602-77CD-4140-8A27-67B2E1783EA6}" srcId="{1168F6A4-1E41-4D02-8364-F4FCB27188E4}" destId="{952FE013-1706-4DBC-9DA1-46041CB6AD92}" srcOrd="0" destOrd="0" parTransId="{59C22F3A-4314-4753-A21A-C753F0EDFEEA}" sibTransId="{91FB05EA-4AF6-4D04-A6EF-68292175BEB9}"/>
+    <dgm:cxn modelId="{3EDE9606-51EA-47BE-884C-19BDD10408C8}" type="presOf" srcId="{09E3A6AC-7B50-43D0-BFDC-EFB9EA2F2D3E}" destId="{48975034-1684-494C-915E-D7523B1568C4}" srcOrd="1" destOrd="0" presId="urn:microsoft.com/office/officeart/2008/layout/NameandTitleOrganizationalChart"/>
+    <dgm:cxn modelId="{AEB55966-CBC1-4265-BB5A-4CA05F8AD90D}" type="presOf" srcId="{824E84C1-AA8F-4184-987D-03E545B9F99B}" destId="{0488DDFB-00EC-416A-9B47-52C08CDA82C4}" srcOrd="0" destOrd="0" presId="urn:microsoft.com/office/officeart/2008/layout/NameandTitleOrganizationalChart"/>
     <dgm:cxn modelId="{96D018EE-BB4A-4A83-AEF2-BF20196D532A}" type="presOf" srcId="{3F1CC737-CD10-4575-8937-D4085782797A}" destId="{EAAB09E8-00B9-4D2A-8D4D-27F0F3176A40}" srcOrd="0" destOrd="0" presId="urn:microsoft.com/office/officeart/2008/layout/NameandTitleOrganizationalChart"/>
-    <dgm:cxn modelId="{B9C788BD-6E4F-49C7-A8D4-2D68E17F4AE0}" type="presOf" srcId="{32BE23FC-67F2-462E-BDD2-E666BB37AF5A}" destId="{8A7CF9BE-123C-43A5-9B8A-9CB31464FF41}" srcOrd="0" destOrd="0" presId="urn:microsoft.com/office/officeart/2008/layout/NameandTitleOrganizationalChart"/>
-    <dgm:cxn modelId="{C4B125D6-5905-43DC-8638-5166379A7736}" type="presOf" srcId="{95520C58-803E-4225-874B-B2C1C5278E29}" destId="{4CDCB448-8D8B-436B-AA1E-AD9E5FB4E25C}" srcOrd="1" destOrd="0" presId="urn:microsoft.com/office/officeart/2008/layout/NameandTitleOrganizationalChart"/>
-    <dgm:cxn modelId="{61F97B5D-7447-4A59-9C29-267E79507AB5}" type="presOf" srcId="{FE9BA5E0-76D1-4638-AA36-7407487D19FF}" destId="{BB95E758-77D9-4392-909E-ECD227327D01}" srcOrd="0" destOrd="0" presId="urn:microsoft.com/office/officeart/2008/layout/NameandTitleOrganizationalChart"/>
+    <dgm:cxn modelId="{08120B0A-B820-4835-879C-DB45FC6D9BE7}" type="presOf" srcId="{347BC993-1C08-4D2B-9B66-80B98095A79C}" destId="{14A78C60-F444-45B5-9186-37528D72A7D2}" srcOrd="0" destOrd="0" presId="urn:microsoft.com/office/officeart/2008/layout/NameandTitleOrganizationalChart"/>
+    <dgm:cxn modelId="{0F59D109-A53B-4F0C-9FF9-6AF9381124CB}" type="presOf" srcId="{1576AEB1-9BC2-48CE-9B89-BE247074FC3A}" destId="{3BAD1AEA-418A-4FF2-8C37-6E86CA4A16EC}" srcOrd="0" destOrd="0" presId="urn:microsoft.com/office/officeart/2008/layout/NameandTitleOrganizationalChart"/>
     <dgm:cxn modelId="{6CA07ED4-206C-4777-B06F-E48186D88663}" srcId="{1168F6A4-1E41-4D02-8364-F4FCB27188E4}" destId="{D0E2CCA9-02B5-41C2-BE3A-E3CC628BC700}" srcOrd="1" destOrd="0" parTransId="{2A879A2D-CCF4-4F86-AB64-7BE670EC32F7}" sibTransId="{1576AEB1-9BC2-48CE-9B89-BE247074FC3A}"/>
-    <dgm:cxn modelId="{1260560B-9573-4FEA-BD87-5DA4B1317050}" type="presOf" srcId="{59C22F3A-4314-4753-A21A-C753F0EDFEEA}" destId="{9DFE2D37-DFC8-4633-9B75-970E2B7DE545}" srcOrd="0" destOrd="0" presId="urn:microsoft.com/office/officeart/2008/layout/NameandTitleOrganizationalChart"/>
-    <dgm:cxn modelId="{67F522FC-3CD7-4B64-83BD-0F1E49B6A53E}" type="presOf" srcId="{952FE013-1706-4DBC-9DA1-46041CB6AD92}" destId="{31E0648C-6AA2-4CF2-9136-2EB6D6849F75}" srcOrd="0" destOrd="0" presId="urn:microsoft.com/office/officeart/2008/layout/NameandTitleOrganizationalChart"/>
-    <dgm:cxn modelId="{56B275F4-349A-4E1E-8F43-83EC054B832F}" type="presOf" srcId="{347BC993-1C08-4D2B-9B66-80B98095A79C}" destId="{E0F40A59-B6D0-40C0-8146-DD3DE9BB0E5E}" srcOrd="1" destOrd="0" presId="urn:microsoft.com/office/officeart/2008/layout/NameandTitleOrganizationalChart"/>
-    <dgm:cxn modelId="{08120B0A-B820-4835-879C-DB45FC6D9BE7}" type="presOf" srcId="{347BC993-1C08-4D2B-9B66-80B98095A79C}" destId="{14A78C60-F444-45B5-9186-37528D72A7D2}" srcOrd="0" destOrd="0" presId="urn:microsoft.com/office/officeart/2008/layout/NameandTitleOrganizationalChart"/>
-    <dgm:cxn modelId="{5769F2F8-6C59-4195-8488-FCE38593F8B7}" type="presOf" srcId="{CD4F10B8-2968-4740-A825-FE79CC1CA096}" destId="{1F03D495-773F-4154-A5DC-766EE2212DD4}" srcOrd="0" destOrd="0" presId="urn:microsoft.com/office/officeart/2008/layout/NameandTitleOrganizationalChart"/>
-    <dgm:cxn modelId="{87EEF594-7C87-40D3-8D86-72E30F5446DD}" type="presOf" srcId="{09E3A6AC-7B50-43D0-BFDC-EFB9EA2F2D3E}" destId="{4D8981D7-C78E-4A27-8AA7-25E8943F9E2D}" srcOrd="0" destOrd="0" presId="urn:microsoft.com/office/officeart/2008/layout/NameandTitleOrganizationalChart"/>
-    <dgm:cxn modelId="{20B8FD80-B88A-4FBB-B38C-CF8E059671EF}" type="presOf" srcId="{91FB05EA-4AF6-4D04-A6EF-68292175BEB9}" destId="{79007A5F-79F1-49C2-9557-04F9B95E435E}" srcOrd="0" destOrd="0" presId="urn:microsoft.com/office/officeart/2008/layout/NameandTitleOrganizationalChart"/>
-    <dgm:cxn modelId="{0F59D109-A53B-4F0C-9FF9-6AF9381124CB}" type="presOf" srcId="{1576AEB1-9BC2-48CE-9B89-BE247074FC3A}" destId="{3BAD1AEA-418A-4FF2-8C37-6E86CA4A16EC}" srcOrd="0" destOrd="0" presId="urn:microsoft.com/office/officeart/2008/layout/NameandTitleOrganizationalChart"/>
+    <dgm:cxn modelId="{2B0FB32C-4E99-40CA-A366-613470DBA884}" type="presOf" srcId="{11A98B8E-5634-4CB4-9436-FE2DD628832F}" destId="{A2F7AFDA-86EB-4274-BC9B-0D0273B9676E}" srcOrd="0" destOrd="0" presId="urn:microsoft.com/office/officeart/2008/layout/NameandTitleOrganizationalChart"/>
     <dgm:cxn modelId="{7872FC00-A056-4D6B-8104-CF70B79C2D3A}" type="presOf" srcId="{10E906E1-3AB4-477A-833F-6A9408CBEB39}" destId="{236748A3-D9B4-4A21-B6C5-790B167C0A3D}" srcOrd="0" destOrd="0" presId="urn:microsoft.com/office/officeart/2008/layout/NameandTitleOrganizationalChart"/>
-    <dgm:cxn modelId="{9539820C-A103-4AC4-8063-52782E3BCD63}" type="presOf" srcId="{952FE013-1706-4DBC-9DA1-46041CB6AD92}" destId="{77981FE5-DBCD-4869-8D12-655EDBA1FAA5}" srcOrd="1" destOrd="0" presId="urn:microsoft.com/office/officeart/2008/layout/NameandTitleOrganizationalChart"/>
     <dgm:cxn modelId="{6DAE6547-7817-49F4-9E0F-32C7ACC6B6E3}" srcId="{09E3A6AC-7B50-43D0-BFDC-EFB9EA2F2D3E}" destId="{1168F6A4-1E41-4D02-8364-F4FCB27188E4}" srcOrd="0" destOrd="0" parTransId="{3F1CC737-CD10-4575-8937-D4085782797A}" sibTransId="{FE9BA5E0-76D1-4638-AA36-7407487D19FF}"/>
     <dgm:cxn modelId="{8E20BB29-23E6-49D2-8813-C363299772C3}" srcId="{32BE23FC-67F2-462E-BDD2-E666BB37AF5A}" destId="{09E3A6AC-7B50-43D0-BFDC-EFB9EA2F2D3E}" srcOrd="0" destOrd="0" parTransId="{D54E75F5-A54B-4F2D-B083-9D7C8128EF87}" sibTransId="{11A98B8E-5634-4CB4-9436-FE2DD628832F}"/>
+    <dgm:cxn modelId="{87EEF594-7C87-40D3-8D86-72E30F5446DD}" type="presOf" srcId="{09E3A6AC-7B50-43D0-BFDC-EFB9EA2F2D3E}" destId="{4D8981D7-C78E-4A27-8AA7-25E8943F9E2D}" srcOrd="0" destOrd="0" presId="urn:microsoft.com/office/officeart/2008/layout/NameandTitleOrganizationalChart"/>
+    <dgm:cxn modelId="{BF06D11D-19B4-4D7E-B06B-3D1366CF4936}" srcId="{347BC993-1C08-4D2B-9B66-80B98095A79C}" destId="{32BE23FC-67F2-462E-BDD2-E666BB37AF5A}" srcOrd="0" destOrd="0" parTransId="{742CBE33-1288-4E35-9D67-4BB05F97B1B2}" sibTransId="{D39C6B04-3FE6-4169-AD0A-4E10859011E3}"/>
+    <dgm:cxn modelId="{4334A944-5BDD-4C67-A168-CF478B03BED0}" type="presOf" srcId="{95520C58-803E-4225-874B-B2C1C5278E29}" destId="{20DC4BF3-79E5-4DA4-9F9D-305F11603ECB}" srcOrd="0" destOrd="0" presId="urn:microsoft.com/office/officeart/2008/layout/NameandTitleOrganizationalChart"/>
+    <dgm:cxn modelId="{1260560B-9573-4FEA-BD87-5DA4B1317050}" type="presOf" srcId="{59C22F3A-4314-4753-A21A-C753F0EDFEEA}" destId="{9DFE2D37-DFC8-4633-9B75-970E2B7DE545}" srcOrd="0" destOrd="0" presId="urn:microsoft.com/office/officeart/2008/layout/NameandTitleOrganizationalChart"/>
+    <dgm:cxn modelId="{B9C788BD-6E4F-49C7-A8D4-2D68E17F4AE0}" type="presOf" srcId="{32BE23FC-67F2-462E-BDD2-E666BB37AF5A}" destId="{8A7CF9BE-123C-43A5-9B8A-9CB31464FF41}" srcOrd="0" destOrd="0" presId="urn:microsoft.com/office/officeart/2008/layout/NameandTitleOrganizationalChart"/>
+    <dgm:cxn modelId="{83F329C9-3B74-4C17-A8B2-072C41000B88}" srcId="{1168F6A4-1E41-4D02-8364-F4FCB27188E4}" destId="{95520C58-803E-4225-874B-B2C1C5278E29}" srcOrd="2" destOrd="0" parTransId="{7C231E78-92F5-4B5E-AD32-C165A625B1C9}" sibTransId="{824E84C1-AA8F-4184-987D-03E545B9F99B}"/>
+    <dgm:cxn modelId="{3DFCC49D-F085-4CD9-94BF-7FCA65AE1098}" type="presOf" srcId="{2A879A2D-CCF4-4F86-AB64-7BE670EC32F7}" destId="{FCB3506C-C4C5-4C86-B272-226F06B81C53}" srcOrd="0" destOrd="0" presId="urn:microsoft.com/office/officeart/2008/layout/NameandTitleOrganizationalChart"/>
+    <dgm:cxn modelId="{934A5DDC-81D0-4F57-B830-13ED5054AA3D}" type="presOf" srcId="{D0E2CCA9-02B5-41C2-BE3A-E3CC628BC700}" destId="{95D3A784-BCBB-4D00-97EF-9660389AF29E}" srcOrd="1" destOrd="0" presId="urn:microsoft.com/office/officeart/2008/layout/NameandTitleOrganizationalChart"/>
     <dgm:cxn modelId="{164B10ED-179A-43F5-AF21-B45EA131963C}" type="presOf" srcId="{7C231E78-92F5-4B5E-AD32-C165A625B1C9}" destId="{1605AA5F-8C30-4A5E-9A9F-2073BA058232}" srcOrd="0" destOrd="0" presId="urn:microsoft.com/office/officeart/2008/layout/NameandTitleOrganizationalChart"/>
-    <dgm:cxn modelId="{30FA5598-5770-4F8A-80AF-F7F7955E29CD}" type="presOf" srcId="{1168F6A4-1E41-4D02-8364-F4FCB27188E4}" destId="{25343B94-49FB-44BB-AFF9-6C2BB17E8B5E}" srcOrd="0" destOrd="0" presId="urn:microsoft.com/office/officeart/2008/layout/NameandTitleOrganizationalChart"/>
-    <dgm:cxn modelId="{BF06D11D-19B4-4D7E-B06B-3D1366CF4936}" srcId="{347BC993-1C08-4D2B-9B66-80B98095A79C}" destId="{32BE23FC-67F2-462E-BDD2-E666BB37AF5A}" srcOrd="0" destOrd="0" parTransId="{742CBE33-1288-4E35-9D67-4BB05F97B1B2}" sibTransId="{D39C6B04-3FE6-4169-AD0A-4E10859011E3}"/>
-    <dgm:cxn modelId="{934A5DDC-81D0-4F57-B830-13ED5054AA3D}" type="presOf" srcId="{D0E2CCA9-02B5-41C2-BE3A-E3CC628BC700}" destId="{95D3A784-BCBB-4D00-97EF-9660389AF29E}" srcOrd="1" destOrd="0" presId="urn:microsoft.com/office/officeart/2008/layout/NameandTitleOrganizationalChart"/>
-    <dgm:cxn modelId="{4334A944-5BDD-4C67-A168-CF478B03BED0}" type="presOf" srcId="{95520C58-803E-4225-874B-B2C1C5278E29}" destId="{20DC4BF3-79E5-4DA4-9F9D-305F11603ECB}" srcOrd="0" destOrd="0" presId="urn:microsoft.com/office/officeart/2008/layout/NameandTitleOrganizationalChart"/>
-    <dgm:cxn modelId="{3DFCC49D-F085-4CD9-94BF-7FCA65AE1098}" type="presOf" srcId="{2A879A2D-CCF4-4F86-AB64-7BE670EC32F7}" destId="{FCB3506C-C4C5-4C86-B272-226F06B81C53}" srcOrd="0" destOrd="0" presId="urn:microsoft.com/office/officeart/2008/layout/NameandTitleOrganizationalChart"/>
-    <dgm:cxn modelId="{83F329C9-3B74-4C17-A8B2-072C41000B88}" srcId="{1168F6A4-1E41-4D02-8364-F4FCB27188E4}" destId="{95520C58-803E-4225-874B-B2C1C5278E29}" srcOrd="2" destOrd="0" parTransId="{7C231E78-92F5-4B5E-AD32-C165A625B1C9}" sibTransId="{824E84C1-AA8F-4184-987D-03E545B9F99B}"/>
-    <dgm:cxn modelId="{350F99CE-2E22-4DC0-AE33-EB2CA33AC5B3}" type="presOf" srcId="{742CBE33-1288-4E35-9D67-4BB05F97B1B2}" destId="{BD64B91E-D2AD-4C54-B606-5E516830DC24}" srcOrd="0" destOrd="0" presId="urn:microsoft.com/office/officeart/2008/layout/NameandTitleOrganizationalChart"/>
+    <dgm:cxn modelId="{6B4B017B-270E-437F-8B0E-9DF19025E000}" type="presOf" srcId="{32BE23FC-67F2-462E-BDD2-E666BB37AF5A}" destId="{21440FAB-7CC1-4370-986A-DE38BC5D76AC}" srcOrd="1" destOrd="0" presId="urn:microsoft.com/office/officeart/2008/layout/NameandTitleOrganizationalChart"/>
     <dgm:cxn modelId="{F9F5543C-6F93-420C-9818-2E27B3DB8E61}" srcId="{CD4F10B8-2968-4740-A825-FE79CC1CA096}" destId="{347BC993-1C08-4D2B-9B66-80B98095A79C}" srcOrd="0" destOrd="0" parTransId="{D410DF65-11BD-4CDD-99CF-093E36503C1E}" sibTransId="{10E906E1-3AB4-477A-833F-6A9408CBEB39}"/>
-    <dgm:cxn modelId="{9213A3D5-41CA-46C3-A8ED-D6E18786312C}" type="presOf" srcId="{D0E2CCA9-02B5-41C2-BE3A-E3CC628BC700}" destId="{B9EDA11B-C7AA-43D8-9B53-7713D2CA7FE0}" srcOrd="0" destOrd="0" presId="urn:microsoft.com/office/officeart/2008/layout/NameandTitleOrganizationalChart"/>
-    <dgm:cxn modelId="{2B0FB32C-4E99-40CA-A366-613470DBA884}" type="presOf" srcId="{11A98B8E-5634-4CB4-9436-FE2DD628832F}" destId="{A2F7AFDA-86EB-4274-BC9B-0D0273B9676E}" srcOrd="0" destOrd="0" presId="urn:microsoft.com/office/officeart/2008/layout/NameandTitleOrganizationalChart"/>
-    <dgm:cxn modelId="{B6C143F9-AFD0-43CF-8B1D-98D7EEE108FC}" type="presOf" srcId="{D39C6B04-3FE6-4169-AD0A-4E10859011E3}" destId="{B9624C1C-CB35-47D2-AFC2-223E979ECE4E}" srcOrd="0" destOrd="0" presId="urn:microsoft.com/office/officeart/2008/layout/NameandTitleOrganizationalChart"/>
-    <dgm:cxn modelId="{42119602-77CD-4140-8A27-67B2E1783EA6}" srcId="{1168F6A4-1E41-4D02-8364-F4FCB27188E4}" destId="{952FE013-1706-4DBC-9DA1-46041CB6AD92}" srcOrd="0" destOrd="0" parTransId="{59C22F3A-4314-4753-A21A-C753F0EDFEEA}" sibTransId="{91FB05EA-4AF6-4D04-A6EF-68292175BEB9}"/>
-    <dgm:cxn modelId="{43BE1B53-0AF6-4F52-A110-761BCC96FB2F}" type="presOf" srcId="{D54E75F5-A54B-4F2D-B083-9D7C8128EF87}" destId="{91914361-BB6E-47CD-8B5A-440BC7E0D3FC}" srcOrd="0" destOrd="0" presId="urn:microsoft.com/office/officeart/2008/layout/NameandTitleOrganizationalChart"/>
-    <dgm:cxn modelId="{3EDE9606-51EA-47BE-884C-19BDD10408C8}" type="presOf" srcId="{09E3A6AC-7B50-43D0-BFDC-EFB9EA2F2D3E}" destId="{48975034-1684-494C-915E-D7523B1568C4}" srcOrd="1" destOrd="0" presId="urn:microsoft.com/office/officeart/2008/layout/NameandTitleOrganizationalChart"/>
-    <dgm:cxn modelId="{D81C8901-F3AD-4A7E-9A58-6C9486E16C82}" type="presOf" srcId="{1168F6A4-1E41-4D02-8364-F4FCB27188E4}" destId="{53B01AB6-84B1-4F36-9833-DA65F891A0EB}" srcOrd="1" destOrd="0" presId="urn:microsoft.com/office/officeart/2008/layout/NameandTitleOrganizationalChart"/>
-    <dgm:cxn modelId="{6B4B017B-270E-437F-8B0E-9DF19025E000}" type="presOf" srcId="{32BE23FC-67F2-462E-BDD2-E666BB37AF5A}" destId="{21440FAB-7CC1-4370-986A-DE38BC5D76AC}" srcOrd="1" destOrd="0" presId="urn:microsoft.com/office/officeart/2008/layout/NameandTitleOrganizationalChart"/>
-    <dgm:cxn modelId="{AEB55966-CBC1-4265-BB5A-4CA05F8AD90D}" type="presOf" srcId="{824E84C1-AA8F-4184-987D-03E545B9F99B}" destId="{0488DDFB-00EC-416A-9B47-52C08CDA82C4}" srcOrd="0" destOrd="0" presId="urn:microsoft.com/office/officeart/2008/layout/NameandTitleOrganizationalChart"/>
     <dgm:cxn modelId="{36C5DAC9-8E82-4D6D-A92C-9BF8BE58629A}" type="presParOf" srcId="{1F03D495-773F-4154-A5DC-766EE2212DD4}" destId="{D4B6FE01-ADE3-416C-AABB-51C5F72478D7}" srcOrd="0" destOrd="0" presId="urn:microsoft.com/office/officeart/2008/layout/NameandTitleOrganizationalChart"/>
     <dgm:cxn modelId="{448D5BA5-67FB-4C09-AB58-0D55E2689FAD}" type="presParOf" srcId="{D4B6FE01-ADE3-416C-AABB-51C5F72478D7}" destId="{579C145A-8646-4C6E-9F44-F0EFF9ED57D4}" srcOrd="0" destOrd="0" presId="urn:microsoft.com/office/officeart/2008/layout/NameandTitleOrganizationalChart"/>
     <dgm:cxn modelId="{65D31A5D-D73F-46E2-90EA-B47975A19B14}" type="presParOf" srcId="{579C145A-8646-4C6E-9F44-F0EFF9ED57D4}" destId="{14A78C60-F444-45B5-9186-37528D72A7D2}" srcOrd="0" destOrd="0" presId="urn:microsoft.com/office/officeart/2008/layout/NameandTitleOrganizationalChart"/>
@@ -5377,7 +5407,7 @@
   <dgm:whole/>
   <dgm:extLst>
     <a:ext uri="http://schemas.microsoft.com/office/drawing/2008/diagram">
-      <dsp:dataModelExt xmlns="" xmlns:dsp="http://schemas.microsoft.com/office/drawing/2008/diagram" relId="rId8" minVer="http://schemas.openxmlformats.org/drawingml/2006/diagram"/>
+      <dsp:dataModelExt xmlns:dsp="http://schemas.microsoft.com/office/drawing/2008/diagram" relId="rId8" minVer="http://schemas.openxmlformats.org/drawingml/2006/diagram"/>
     </a:ext>
   </dgm:extLst>
 </dgm:dataModel>
@@ -5790,15 +5820,15 @@
     </dgm:pt>
   </dgm:ptLst>
   <dgm:cxnLst>
+    <dgm:cxn modelId="{755082BC-9A4D-4E5E-B16D-CAE1A40332B8}" type="presOf" srcId="{08D5F0A4-16D6-4CF1-BFB1-7409ADD1584D}" destId="{EE723D86-4C37-4804-B40B-3E76095C48F1}" srcOrd="0" destOrd="0" presId="urn:microsoft.com/office/officeart/2005/8/layout/hierarchy4"/>
+    <dgm:cxn modelId="{B8F3B834-93BB-40FF-8B60-609A181C58F1}" srcId="{1C625F2A-FE72-45AA-9600-CDAF3F61B844}" destId="{509F9BE9-4137-4609-9A90-3894AD1E7933}" srcOrd="2" destOrd="0" parTransId="{6E3ABEA4-F6A7-4AC0-8B9A-1ECABBCF57CF}" sibTransId="{2CB1DF59-05C1-46ED-ACF5-374BA18B7741}"/>
     <dgm:cxn modelId="{5279D04B-930E-4DE7-A7A0-A72758389925}" type="presOf" srcId="{509F9BE9-4137-4609-9A90-3894AD1E7933}" destId="{97F8B434-2F28-4662-B6C2-14B425398A98}" srcOrd="0" destOrd="0" presId="urn:microsoft.com/office/officeart/2005/8/layout/hierarchy4"/>
+    <dgm:cxn modelId="{F7FA1902-7A76-4216-B6C4-0AE29851ED33}" srcId="{1C625F2A-FE72-45AA-9600-CDAF3F61B844}" destId="{08D5F0A4-16D6-4CF1-BFB1-7409ADD1584D}" srcOrd="1" destOrd="0" parTransId="{09A80543-08C7-4C12-B276-A28D67716154}" sibTransId="{CCFA1855-709E-4DF7-B7FA-CF40E711921A}"/>
+    <dgm:cxn modelId="{C7B443CA-90D9-4080-A160-0A96909BE1C2}" srcId="{A1DFB07F-AC39-4CB3-B3CA-E389E512B2A4}" destId="{1C625F2A-FE72-45AA-9600-CDAF3F61B844}" srcOrd="0" destOrd="0" parTransId="{06029871-02D0-4C17-8B34-20BE0166D3DB}" sibTransId="{C763F3C8-60B7-4C05-A1CD-CA4375FA30E6}"/>
     <dgm:cxn modelId="{08747923-5E88-4E7A-A30B-61B8459DF116}" type="presOf" srcId="{1C625F2A-FE72-45AA-9600-CDAF3F61B844}" destId="{7A88E86B-149A-4960-AD77-2DBB56F1B11C}" srcOrd="0" destOrd="0" presId="urn:microsoft.com/office/officeart/2005/8/layout/hierarchy4"/>
+    <dgm:cxn modelId="{455F1068-F58B-4703-8D8B-D7E18A272B5E}" type="presOf" srcId="{A1DFB07F-AC39-4CB3-B3CA-E389E512B2A4}" destId="{F76C0F11-4C30-4321-A5BC-BEBC6577D681}" srcOrd="0" destOrd="0" presId="urn:microsoft.com/office/officeart/2005/8/layout/hierarchy4"/>
+    <dgm:cxn modelId="{E37FDFC4-0AB6-4F7E-BBCD-96B93D604D45}" srcId="{1C625F2A-FE72-45AA-9600-CDAF3F61B844}" destId="{FD9D19D4-0E4C-402E-8A04-EF4DAF2BC48E}" srcOrd="0" destOrd="0" parTransId="{992659D6-BF47-40C6-9DF0-E02AD95CC809}" sibTransId="{0316B9A7-EB9C-422D-A8BA-240FD791F75D}"/>
     <dgm:cxn modelId="{C86B4287-43B4-49C5-AFEE-BACCC61D4483}" type="presOf" srcId="{FD9D19D4-0E4C-402E-8A04-EF4DAF2BC48E}" destId="{21467B2C-1303-4CEB-8C25-CFB598F88955}" srcOrd="0" destOrd="0" presId="urn:microsoft.com/office/officeart/2005/8/layout/hierarchy4"/>
-    <dgm:cxn modelId="{F7FA1902-7A76-4216-B6C4-0AE29851ED33}" srcId="{1C625F2A-FE72-45AA-9600-CDAF3F61B844}" destId="{08D5F0A4-16D6-4CF1-BFB1-7409ADD1584D}" srcOrd="1" destOrd="0" parTransId="{09A80543-08C7-4C12-B276-A28D67716154}" sibTransId="{CCFA1855-709E-4DF7-B7FA-CF40E711921A}"/>
-    <dgm:cxn modelId="{B8F3B834-93BB-40FF-8B60-609A181C58F1}" srcId="{1C625F2A-FE72-45AA-9600-CDAF3F61B844}" destId="{509F9BE9-4137-4609-9A90-3894AD1E7933}" srcOrd="2" destOrd="0" parTransId="{6E3ABEA4-F6A7-4AC0-8B9A-1ECABBCF57CF}" sibTransId="{2CB1DF59-05C1-46ED-ACF5-374BA18B7741}"/>
-    <dgm:cxn modelId="{C7B443CA-90D9-4080-A160-0A96909BE1C2}" srcId="{A1DFB07F-AC39-4CB3-B3CA-E389E512B2A4}" destId="{1C625F2A-FE72-45AA-9600-CDAF3F61B844}" srcOrd="0" destOrd="0" parTransId="{06029871-02D0-4C17-8B34-20BE0166D3DB}" sibTransId="{C763F3C8-60B7-4C05-A1CD-CA4375FA30E6}"/>
-    <dgm:cxn modelId="{455F1068-F58B-4703-8D8B-D7E18A272B5E}" type="presOf" srcId="{A1DFB07F-AC39-4CB3-B3CA-E389E512B2A4}" destId="{F76C0F11-4C30-4321-A5BC-BEBC6577D681}" srcOrd="0" destOrd="0" presId="urn:microsoft.com/office/officeart/2005/8/layout/hierarchy4"/>
-    <dgm:cxn modelId="{755082BC-9A4D-4E5E-B16D-CAE1A40332B8}" type="presOf" srcId="{08D5F0A4-16D6-4CF1-BFB1-7409ADD1584D}" destId="{EE723D86-4C37-4804-B40B-3E76095C48F1}" srcOrd="0" destOrd="0" presId="urn:microsoft.com/office/officeart/2005/8/layout/hierarchy4"/>
-    <dgm:cxn modelId="{E37FDFC4-0AB6-4F7E-BBCD-96B93D604D45}" srcId="{1C625F2A-FE72-45AA-9600-CDAF3F61B844}" destId="{FD9D19D4-0E4C-402E-8A04-EF4DAF2BC48E}" srcOrd="0" destOrd="0" parTransId="{992659D6-BF47-40C6-9DF0-E02AD95CC809}" sibTransId="{0316B9A7-EB9C-422D-A8BA-240FD791F75D}"/>
     <dgm:cxn modelId="{D7A93B3D-10C6-4C3D-97A2-B4C2C732B47F}" type="presParOf" srcId="{F76C0F11-4C30-4321-A5BC-BEBC6577D681}" destId="{BF349F3A-1004-4F44-AD38-8CFEEDC0C3DC}" srcOrd="0" destOrd="0" presId="urn:microsoft.com/office/officeart/2005/8/layout/hierarchy4"/>
     <dgm:cxn modelId="{078E0DCB-D2EA-4115-A9CD-511E70D3AEDC}" type="presParOf" srcId="{BF349F3A-1004-4F44-AD38-8CFEEDC0C3DC}" destId="{7A88E86B-149A-4960-AD77-2DBB56F1B11C}" srcOrd="0" destOrd="0" presId="urn:microsoft.com/office/officeart/2005/8/layout/hierarchy4"/>
     <dgm:cxn modelId="{47C22BF7-3553-43E8-A979-82DC982DCE7A}" type="presParOf" srcId="{BF349F3A-1004-4F44-AD38-8CFEEDC0C3DC}" destId="{444C9A54-DE8D-41A2-851F-2E26972DDF61}" srcOrd="1" destOrd="0" presId="urn:microsoft.com/office/officeart/2005/8/layout/hierarchy4"/>
@@ -5819,7 +5849,7 @@
   <dgm:whole/>
   <dgm:extLst>
     <a:ext uri="http://schemas.microsoft.com/office/drawing/2008/diagram">
-      <dsp:dataModelExt xmlns="" xmlns:dsp="http://schemas.microsoft.com/office/drawing/2008/diagram" relId="rId9" minVer="http://schemas.openxmlformats.org/drawingml/2006/diagram"/>
+      <dsp:dataModelExt xmlns:dsp="http://schemas.microsoft.com/office/drawing/2008/diagram" relId="rId9" minVer="http://schemas.openxmlformats.org/drawingml/2006/diagram"/>
     </a:ext>
   </dgm:extLst>
 </dgm:dataModel>
@@ -6047,12 +6077,12 @@
     </dgm:pt>
   </dgm:ptLst>
   <dgm:cxnLst>
+    <dgm:cxn modelId="{8D9E9A44-09AF-4A01-8EEC-AB9B45E2AB38}" type="presOf" srcId="{97F17859-4C9B-4C87-BFA7-8ACD69F2994A}" destId="{C76BA95A-D8CD-4B0E-8B33-DE33A06D4E07}" srcOrd="0" destOrd="0" presId="urn:microsoft.com/office/officeart/2005/8/layout/pyramid2"/>
+    <dgm:cxn modelId="{7B5B1928-4665-4353-B5B6-63950F9E2C93}" srcId="{34A19C89-BCFD-4CB9-B68A-93AC208C27C9}" destId="{CE41B67D-61B1-4804-9860-440752F7E5CF}" srcOrd="0" destOrd="0" parTransId="{0EB73162-11B4-42DA-BBE2-B8239964FA90}" sibTransId="{3A48794A-1B9E-49A0-9E1B-049406638D94}"/>
+    <dgm:cxn modelId="{20507998-9710-4F67-BCBD-6D4D5C948F86}" type="presOf" srcId="{458F19B8-BF5C-469C-ADC5-E0521236523B}" destId="{2DA0A7AD-E180-4265-A092-5FFE4819E2D5}" srcOrd="0" destOrd="0" presId="urn:microsoft.com/office/officeart/2005/8/layout/pyramid2"/>
     <dgm:cxn modelId="{0E28C955-A2F7-4B72-8ACC-74BF6C74051C}" srcId="{34A19C89-BCFD-4CB9-B68A-93AC208C27C9}" destId="{458F19B8-BF5C-469C-ADC5-E0521236523B}" srcOrd="1" destOrd="0" parTransId="{F086A113-B829-469E-BF3D-F58B2107789D}" sibTransId="{469B9042-0577-4102-B005-0E2703A34F24}"/>
-    <dgm:cxn modelId="{7B5B1928-4665-4353-B5B6-63950F9E2C93}" srcId="{34A19C89-BCFD-4CB9-B68A-93AC208C27C9}" destId="{CE41B67D-61B1-4804-9860-440752F7E5CF}" srcOrd="0" destOrd="0" parTransId="{0EB73162-11B4-42DA-BBE2-B8239964FA90}" sibTransId="{3A48794A-1B9E-49A0-9E1B-049406638D94}"/>
+    <dgm:cxn modelId="{223B03E2-6B64-40E1-BF7A-CD3193409F8D}" type="presOf" srcId="{CE41B67D-61B1-4804-9860-440752F7E5CF}" destId="{DB2B4006-310A-4229-9C24-7B1582A56690}" srcOrd="0" destOrd="0" presId="urn:microsoft.com/office/officeart/2005/8/layout/pyramid2"/>
     <dgm:cxn modelId="{800173F2-AD5F-4DB0-9735-99AD05D5627F}" type="presOf" srcId="{34A19C89-BCFD-4CB9-B68A-93AC208C27C9}" destId="{0FBB877D-B78D-47F7-92F6-75F96A56B468}" srcOrd="0" destOrd="0" presId="urn:microsoft.com/office/officeart/2005/8/layout/pyramid2"/>
-    <dgm:cxn modelId="{223B03E2-6B64-40E1-BF7A-CD3193409F8D}" type="presOf" srcId="{CE41B67D-61B1-4804-9860-440752F7E5CF}" destId="{DB2B4006-310A-4229-9C24-7B1582A56690}" srcOrd="0" destOrd="0" presId="urn:microsoft.com/office/officeart/2005/8/layout/pyramid2"/>
-    <dgm:cxn modelId="{20507998-9710-4F67-BCBD-6D4D5C948F86}" type="presOf" srcId="{458F19B8-BF5C-469C-ADC5-E0521236523B}" destId="{2DA0A7AD-E180-4265-A092-5FFE4819E2D5}" srcOrd="0" destOrd="0" presId="urn:microsoft.com/office/officeart/2005/8/layout/pyramid2"/>
-    <dgm:cxn modelId="{8D9E9A44-09AF-4A01-8EEC-AB9B45E2AB38}" type="presOf" srcId="{97F17859-4C9B-4C87-BFA7-8ACD69F2994A}" destId="{C76BA95A-D8CD-4B0E-8B33-DE33A06D4E07}" srcOrd="0" destOrd="0" presId="urn:microsoft.com/office/officeart/2005/8/layout/pyramid2"/>
     <dgm:cxn modelId="{C653CB8D-05E5-411A-8905-B56CF855821A}" srcId="{34A19C89-BCFD-4CB9-B68A-93AC208C27C9}" destId="{97F17859-4C9B-4C87-BFA7-8ACD69F2994A}" srcOrd="2" destOrd="0" parTransId="{033CB4D1-2A68-4EA5-8B2E-E693B1C735A3}" sibTransId="{DBFF7CA2-3A44-4658-B89D-08BD180B6920}"/>
     <dgm:cxn modelId="{25F56A73-1F6D-491A-A25F-F6457020C4FE}" type="presParOf" srcId="{0FBB877D-B78D-47F7-92F6-75F96A56B468}" destId="{AB82A649-583F-4229-AB98-8BB80644F02D}" srcOrd="0" destOrd="0" presId="urn:microsoft.com/office/officeart/2005/8/layout/pyramid2"/>
     <dgm:cxn modelId="{8A4DB902-AE80-47AD-9C65-F9339E16B8A6}" type="presParOf" srcId="{0FBB877D-B78D-47F7-92F6-75F96A56B468}" destId="{F081B069-C6AB-48D7-856E-1C35F84927FC}" srcOrd="1" destOrd="0" presId="urn:microsoft.com/office/officeart/2005/8/layout/pyramid2"/>
@@ -6067,7 +6097,7 @@
   <dgm:whole/>
   <dgm:extLst>
     <a:ext uri="http://schemas.microsoft.com/office/drawing/2008/diagram">
-      <dsp:dataModelExt xmlns="" xmlns:dsp="http://schemas.microsoft.com/office/drawing/2008/diagram" relId="rId10" minVer="http://schemas.openxmlformats.org/drawingml/2006/diagram"/>
+      <dsp:dataModelExt xmlns:dsp="http://schemas.microsoft.com/office/drawing/2008/diagram" relId="rId10" minVer="http://schemas.openxmlformats.org/drawingml/2006/diagram"/>
     </a:ext>
   </dgm:extLst>
 </dgm:dataModel>
@@ -7256,8 +7286,8 @@
       </dsp:nvSpPr>
       <dsp:spPr>
         <a:xfrm>
-          <a:off x="2752738" y="2915326"/>
-          <a:ext cx="300163" cy="897217"/>
+          <a:off x="3047270" y="3640292"/>
+          <a:ext cx="178025" cy="785616"/>
         </a:xfrm>
         <a:custGeom>
           <a:avLst/>
@@ -7268,13 +7298,13 @@
           <a:pathLst>
             <a:path>
               <a:moveTo>
-                <a:pt x="300163" y="0"/>
+                <a:pt x="178025" y="0"/>
               </a:moveTo>
               <a:lnTo>
-                <a:pt x="300163" y="897217"/>
+                <a:pt x="178025" y="785616"/>
               </a:lnTo>
               <a:lnTo>
-                <a:pt x="0" y="897217"/>
+                <a:pt x="0" y="785616"/>
               </a:lnTo>
             </a:path>
           </a:pathLst>
@@ -7314,8 +7344,8 @@
       </dsp:nvSpPr>
       <dsp:spPr>
         <a:xfrm>
-          <a:off x="3052902" y="2915326"/>
-          <a:ext cx="1021806" cy="1643395"/>
+          <a:off x="3225295" y="3640292"/>
+          <a:ext cx="865611" cy="1420272"/>
         </a:xfrm>
         <a:custGeom>
           <a:avLst/>
@@ -7329,13 +7359,13 @@
                 <a:pt x="0" y="0"/>
               </a:moveTo>
               <a:lnTo>
-                <a:pt x="0" y="1481851"/>
+                <a:pt x="0" y="1282872"/>
               </a:lnTo>
               <a:lnTo>
-                <a:pt x="1021806" y="1481851"/>
+                <a:pt x="865611" y="1282872"/>
               </a:lnTo>
               <a:lnTo>
-                <a:pt x="1021806" y="1643395"/>
+                <a:pt x="865611" y="1420272"/>
               </a:lnTo>
             </a:path>
           </a:pathLst>
@@ -7375,8 +7405,8 @@
       </dsp:nvSpPr>
       <dsp:spPr>
         <a:xfrm>
-          <a:off x="2091940" y="2915326"/>
-          <a:ext cx="960962" cy="1643395"/>
+          <a:off x="2404476" y="3640292"/>
+          <a:ext cx="820819" cy="1420272"/>
         </a:xfrm>
         <a:custGeom>
           <a:avLst/>
@@ -7387,16 +7417,16 @@
           <a:pathLst>
             <a:path>
               <a:moveTo>
-                <a:pt x="960962" y="0"/>
+                <a:pt x="820819" y="0"/>
               </a:moveTo>
               <a:lnTo>
-                <a:pt x="960962" y="1481851"/>
+                <a:pt x="820819" y="1282872"/>
               </a:lnTo>
               <a:lnTo>
-                <a:pt x="0" y="1481851"/>
+                <a:pt x="0" y="1282872"/>
               </a:lnTo>
               <a:lnTo>
-                <a:pt x="0" y="1643395"/>
+                <a:pt x="0" y="1420272"/>
               </a:lnTo>
             </a:path>
           </a:pathLst>
@@ -7436,8 +7466,8 @@
       </dsp:nvSpPr>
       <dsp:spPr>
         <a:xfrm>
-          <a:off x="3007182" y="1909982"/>
-          <a:ext cx="91440" cy="313014"/>
+          <a:off x="3179575" y="2785202"/>
+          <a:ext cx="91440" cy="266232"/>
         </a:xfrm>
         <a:custGeom>
           <a:avLst/>
@@ -7448,16 +7478,16 @@
           <a:pathLst>
             <a:path>
               <a:moveTo>
-                <a:pt x="46587" y="0"/>
+                <a:pt x="123734" y="0"/>
               </a:moveTo>
               <a:lnTo>
-                <a:pt x="46587" y="151470"/>
+                <a:pt x="123734" y="128832"/>
               </a:lnTo>
               <a:lnTo>
-                <a:pt x="45720" y="151470"/>
+                <a:pt x="45720" y="128832"/>
               </a:lnTo>
               <a:lnTo>
-                <a:pt x="45720" y="313014"/>
+                <a:pt x="45720" y="266232"/>
               </a:lnTo>
             </a:path>
           </a:pathLst>
@@ -7497,8 +7527,8 @@
       </dsp:nvSpPr>
       <dsp:spPr>
         <a:xfrm>
-          <a:off x="3008049" y="893950"/>
-          <a:ext cx="91440" cy="323702"/>
+          <a:off x="3190659" y="1768259"/>
+          <a:ext cx="91440" cy="428086"/>
         </a:xfrm>
         <a:custGeom>
           <a:avLst/>
@@ -7509,16 +7539,77 @@
           <a:pathLst>
             <a:path>
               <a:moveTo>
-                <a:pt x="48654" y="0"/>
+                <a:pt x="45720" y="0"/>
               </a:moveTo>
               <a:lnTo>
-                <a:pt x="48654" y="162158"/>
+                <a:pt x="45720" y="290686"/>
               </a:lnTo>
               <a:lnTo>
-                <a:pt x="45720" y="162158"/>
+                <a:pt x="112651" y="290686"/>
               </a:lnTo>
               <a:lnTo>
-                <a:pt x="45720" y="323702"/>
+                <a:pt x="112651" y="428086"/>
+              </a:lnTo>
+            </a:path>
+          </a:pathLst>
+        </a:custGeom>
+        <a:noFill/>
+        <a:ln w="25400" cap="flat" cmpd="sng" algn="ctr">
+          <a:solidFill>
+            <a:schemeClr val="accent1">
+              <a:shade val="80000"/>
+              <a:hueOff val="0"/>
+              <a:satOff val="0"/>
+              <a:lumOff val="0"/>
+              <a:alphaOff val="0"/>
+            </a:schemeClr>
+          </a:solidFill>
+          <a:prstDash val="solid"/>
+        </a:ln>
+        <a:effectLst/>
+      </dsp:spPr>
+      <dsp:style>
+        <a:lnRef idx="2">
+          <a:scrgbClr r="0" g="0" b="0"/>
+        </a:lnRef>
+        <a:fillRef idx="0">
+          <a:scrgbClr r="0" g="0" b="0"/>
+        </a:fillRef>
+        <a:effectRef idx="0">
+          <a:scrgbClr r="0" g="0" b="0"/>
+        </a:effectRef>
+        <a:fontRef idx="minor"/>
+      </dsp:style>
+    </dsp:sp>
+    <dsp:sp modelId="{BD64B91E-D2AD-4C54-B606-5E516830DC24}">
+      <dsp:nvSpPr>
+        <dsp:cNvPr id="0" name=""/>
+        <dsp:cNvSpPr/>
+      </dsp:nvSpPr>
+      <dsp:spPr>
+        <a:xfrm>
+          <a:off x="3119679" y="904414"/>
+          <a:ext cx="116699" cy="274988"/>
+        </a:xfrm>
+        <a:custGeom>
+          <a:avLst/>
+          <a:gdLst/>
+          <a:ahLst/>
+          <a:cxnLst/>
+          <a:rect l="0" t="0" r="0" b="0"/>
+          <a:pathLst>
+            <a:path>
+              <a:moveTo>
+                <a:pt x="0" y="0"/>
+              </a:moveTo>
+              <a:lnTo>
+                <a:pt x="0" y="137588"/>
+              </a:lnTo>
+              <a:lnTo>
+                <a:pt x="116699" y="137588"/>
+              </a:lnTo>
+              <a:lnTo>
+                <a:pt x="116699" y="274988"/>
               </a:lnTo>
             </a:path>
           </a:pathLst>
@@ -7558,8 +7649,8 @@
       </dsp:nvSpPr>
       <dsp:spPr>
         <a:xfrm>
-          <a:off x="2160235" y="0"/>
-          <a:ext cx="1792937" cy="893950"/>
+          <a:off x="2357193" y="1"/>
+          <a:ext cx="1524971" cy="904413"/>
         </a:xfrm>
         <a:prstGeom prst="rect">
           <a:avLst/>
@@ -7607,20 +7698,20 @@
         </a:fontRef>
       </dsp:style>
       <dsp:txBody>
-        <a:bodyPr spcFirstLastPara="0" vert="horz" wrap="square" lIns="6350" tIns="6350" rIns="6350" bIns="97695" numCol="1" spcCol="1270" anchor="ctr" anchorCtr="0">
+        <a:bodyPr spcFirstLastPara="0" vert="horz" wrap="square" lIns="6350" tIns="6350" rIns="6350" bIns="83094" numCol="1" spcCol="1270" anchor="ctr" anchorCtr="0">
           <a:noAutofit/>
         </a:bodyPr>
         <a:lstStyle/>
         <a:p>
           <a:pPr lvl="0" algn="ctr" defTabSz="444500">
             <a:lnSpc>
-              <a:spcPct val="90000"/>
+              <a:spcPct val="100000"/>
             </a:lnSpc>
             <a:spcBef>
               <a:spcPct val="0"/>
             </a:spcBef>
             <a:spcAft>
-              <a:spcPct val="35000"/>
+              <a:spcPts val="0"/>
             </a:spcAft>
           </a:pPr>
           <a:r>
@@ -7631,13 +7722,13 @@
         <a:p>
           <a:pPr lvl="0" algn="ctr" defTabSz="444500">
             <a:lnSpc>
-              <a:spcPct val="90000"/>
+              <a:spcPct val="100000"/>
             </a:lnSpc>
             <a:spcBef>
               <a:spcPct val="0"/>
             </a:spcBef>
             <a:spcAft>
-              <a:spcPct val="35000"/>
+              <a:spcPts val="0"/>
             </a:spcAft>
           </a:pPr>
           <a:r>
@@ -7648,34 +7739,30 @@
         <a:p>
           <a:pPr lvl="0" algn="ctr" defTabSz="444500">
             <a:lnSpc>
-              <a:spcPct val="90000"/>
+              <a:spcPct val="100000"/>
             </a:lnSpc>
             <a:spcBef>
               <a:spcPct val="0"/>
             </a:spcBef>
             <a:spcAft>
-              <a:spcPct val="35000"/>
+              <a:spcPts val="0"/>
             </a:spcAft>
           </a:pPr>
           <a:r>
             <a:rPr lang="es-PE" sz="1000" kern="1200" dirty="0" smtClean="0"/>
-            <a:t>Carlos </a:t>
-          </a:r>
-          <a:r>
-            <a:rPr lang="es-PE" sz="1000" kern="1200" dirty="0" smtClean="0"/>
-            <a:t>Raymundo</a:t>
+            <a:t>Carlos Raymundo</a:t>
           </a:r>
         </a:p>
         <a:p>
           <a:pPr lvl="0" algn="ctr" defTabSz="444500">
             <a:lnSpc>
-              <a:spcPct val="90000"/>
+              <a:spcPct val="100000"/>
             </a:lnSpc>
             <a:spcBef>
               <a:spcPct val="0"/>
             </a:spcBef>
             <a:spcAft>
-              <a:spcPct val="35000"/>
+              <a:spcPts val="0"/>
             </a:spcAft>
           </a:pPr>
           <a:r>
@@ -7686,12 +7773,11 @@
             <a:rPr lang="es-PE" sz="1000" kern="1200" dirty="0" smtClean="0"/>
             <a:t> Hilda Bermejo</a:t>
           </a:r>
-          <a:endParaRPr lang="es-PE" sz="1000" kern="1200" dirty="0" smtClean="0"/>
         </a:p>
       </dsp:txBody>
       <dsp:txXfrm>
-        <a:off x="2160235" y="0"/>
-        <a:ext cx="1792937" cy="893950"/>
+        <a:off x="2357193" y="1"/>
+        <a:ext cx="1524971" cy="904413"/>
       </dsp:txXfrm>
     </dsp:sp>
     <dsp:sp modelId="{236748A3-D9B4-4A21-B6C5-790B167C0A3D}">
@@ -7701,8 +7787,8 @@
       </dsp:nvSpPr>
       <dsp:spPr>
         <a:xfrm>
-          <a:off x="2742880" y="801140"/>
-          <a:ext cx="1447253" cy="230776"/>
+          <a:off x="2812353" y="730270"/>
+          <a:ext cx="1532994" cy="241957"/>
         </a:xfrm>
         <a:prstGeom prst="rect">
           <a:avLst/>
@@ -7779,19 +7865,19 @@
         </a:p>
       </dsp:txBody>
       <dsp:txXfrm>
-        <a:off x="2742880" y="801140"/>
-        <a:ext cx="1447253" cy="230776"/>
+        <a:off x="2812353" y="730270"/>
+        <a:ext cx="1532994" cy="241957"/>
       </dsp:txXfrm>
     </dsp:sp>
-    <dsp:sp modelId="{4D8981D7-C78E-4A27-8AA7-25E8943F9E2D}">
+    <dsp:sp modelId="{8A7CF9BE-123C-43A5-9B8A-9CB31464FF41}">
       <dsp:nvSpPr>
         <dsp:cNvPr id="0" name=""/>
         <dsp:cNvSpPr/>
       </dsp:nvSpPr>
       <dsp:spPr>
         <a:xfrm>
-          <a:off x="2385182" y="1217652"/>
-          <a:ext cx="1337174" cy="692329"/>
+          <a:off x="2667716" y="1179402"/>
+          <a:ext cx="1137325" cy="588856"/>
         </a:xfrm>
         <a:prstGeom prst="rect">
           <a:avLst/>
@@ -7839,7 +7925,172 @@
         </a:fontRef>
       </dsp:style>
       <dsp:txBody>
-        <a:bodyPr spcFirstLastPara="0" vert="horz" wrap="square" lIns="7620" tIns="7620" rIns="7620" bIns="97695" numCol="1" spcCol="1270" anchor="ctr" anchorCtr="0">
+        <a:bodyPr spcFirstLastPara="0" vert="horz" wrap="square" lIns="6350" tIns="6350" rIns="6350" bIns="83094" numCol="1" spcCol="1270" anchor="ctr" anchorCtr="0">
+          <a:noAutofit/>
+        </a:bodyPr>
+        <a:lstStyle/>
+        <a:p>
+          <a:pPr lvl="0" algn="ctr" defTabSz="444500">
+            <a:lnSpc>
+              <a:spcPct val="90000"/>
+            </a:lnSpc>
+            <a:spcBef>
+              <a:spcPct val="0"/>
+            </a:spcBef>
+            <a:spcAft>
+              <a:spcPct val="35000"/>
+            </a:spcAft>
+          </a:pPr>
+          <a:r>
+            <a:rPr lang="es-PE" sz="1000" kern="1200" dirty="0" smtClean="0"/>
+            <a:t>Amanda </a:t>
+          </a:r>
+          <a:r>
+            <a:rPr lang="es-PE" sz="1000" kern="1200" dirty="0" err="1" smtClean="0"/>
+            <a:t>Sanchez</a:t>
+          </a:r>
+          <a:endParaRPr lang="es-PE" sz="1000" kern="1200" dirty="0" smtClean="0"/>
+        </a:p>
+      </dsp:txBody>
+      <dsp:txXfrm>
+        <a:off x="2667716" y="1179402"/>
+        <a:ext cx="1137325" cy="588856"/>
+      </dsp:txXfrm>
+    </dsp:sp>
+    <dsp:sp modelId="{B9624C1C-CB35-47D2-AFC2-223E979ECE4E}">
+      <dsp:nvSpPr>
+        <dsp:cNvPr id="0" name=""/>
+        <dsp:cNvSpPr/>
+      </dsp:nvSpPr>
+      <dsp:spPr>
+        <a:xfrm>
+          <a:off x="2579051" y="1549544"/>
+          <a:ext cx="1451976" cy="372002"/>
+        </a:xfrm>
+        <a:prstGeom prst="rect">
+          <a:avLst/>
+        </a:prstGeom>
+        <a:solidFill>
+          <a:schemeClr val="accent1">
+            <a:alpha val="90000"/>
+            <a:tint val="40000"/>
+            <a:hueOff val="0"/>
+            <a:satOff val="0"/>
+            <a:lumOff val="0"/>
+            <a:alphaOff val="0"/>
+          </a:schemeClr>
+        </a:solidFill>
+        <a:ln w="25400" cap="flat" cmpd="sng" algn="ctr">
+          <a:solidFill>
+            <a:schemeClr val="accent1">
+              <a:hueOff val="0"/>
+              <a:satOff val="0"/>
+              <a:lumOff val="0"/>
+              <a:alphaOff val="0"/>
+            </a:schemeClr>
+          </a:solidFill>
+          <a:prstDash val="solid"/>
+        </a:ln>
+        <a:effectLst/>
+      </dsp:spPr>
+      <dsp:style>
+        <a:lnRef idx="2">
+          <a:scrgbClr r="0" g="0" b="0"/>
+        </a:lnRef>
+        <a:fillRef idx="1">
+          <a:scrgbClr r="0" g="0" b="0"/>
+        </a:fillRef>
+        <a:effectRef idx="0">
+          <a:scrgbClr r="0" g="0" b="0"/>
+        </a:effectRef>
+        <a:fontRef idx="minor"/>
+      </dsp:style>
+      <dsp:txBody>
+        <a:bodyPr spcFirstLastPara="0" vert="horz" wrap="square" lIns="30480" tIns="7620" rIns="30480" bIns="7620" numCol="1" spcCol="1270" anchor="ctr" anchorCtr="0">
+          <a:noAutofit/>
+        </a:bodyPr>
+        <a:lstStyle/>
+        <a:p>
+          <a:pPr lvl="0" algn="r" defTabSz="533400">
+            <a:lnSpc>
+              <a:spcPct val="90000"/>
+            </a:lnSpc>
+            <a:spcBef>
+              <a:spcPct val="0"/>
+            </a:spcBef>
+            <a:spcAft>
+              <a:spcPct val="35000"/>
+            </a:spcAft>
+          </a:pPr>
+          <a:r>
+            <a:rPr lang="es-PE" sz="1200" b="1" kern="1200" dirty="0" smtClean="0"/>
+            <a:t>Gerente General de Empresas Virtuales</a:t>
+          </a:r>
+          <a:endParaRPr lang="es-PE" sz="1200" b="1" kern="1200" dirty="0"/>
+        </a:p>
+      </dsp:txBody>
+      <dsp:txXfrm>
+        <a:off x="2579051" y="1549544"/>
+        <a:ext cx="1451976" cy="372002"/>
+      </dsp:txXfrm>
+    </dsp:sp>
+    <dsp:sp modelId="{4D8981D7-C78E-4A27-8AA7-25E8943F9E2D}">
+      <dsp:nvSpPr>
+        <dsp:cNvPr id="0" name=""/>
+        <dsp:cNvSpPr/>
+      </dsp:nvSpPr>
+      <dsp:spPr>
+        <a:xfrm>
+          <a:off x="2734647" y="2196346"/>
+          <a:ext cx="1137325" cy="588856"/>
+        </a:xfrm>
+        <a:prstGeom prst="rect">
+          <a:avLst/>
+        </a:prstGeom>
+        <a:solidFill>
+          <a:schemeClr val="lt1">
+            <a:hueOff val="0"/>
+            <a:satOff val="0"/>
+            <a:lumOff val="0"/>
+            <a:alphaOff val="0"/>
+          </a:schemeClr>
+        </a:solidFill>
+        <a:ln w="38100" cap="flat" cmpd="sng" algn="ctr">
+          <a:solidFill>
+            <a:schemeClr val="accent1">
+              <a:shade val="80000"/>
+              <a:hueOff val="0"/>
+              <a:satOff val="0"/>
+              <a:lumOff val="0"/>
+              <a:alphaOff val="0"/>
+            </a:schemeClr>
+          </a:solidFill>
+          <a:prstDash val="solid"/>
+        </a:ln>
+        <a:effectLst>
+          <a:outerShdw blurRad="40000" dist="20000" dir="5400000" rotWithShape="0">
+            <a:srgbClr val="000000">
+              <a:alpha val="38000"/>
+            </a:srgbClr>
+          </a:outerShdw>
+        </a:effectLst>
+      </dsp:spPr>
+      <dsp:style>
+        <a:lnRef idx="3">
+          <a:scrgbClr r="0" g="0" b="0"/>
+        </a:lnRef>
+        <a:fillRef idx="1">
+          <a:scrgbClr r="0" g="0" b="0"/>
+        </a:fillRef>
+        <a:effectRef idx="1">
+          <a:scrgbClr r="0" g="0" b="0"/>
+        </a:effectRef>
+        <a:fontRef idx="minor">
+          <a:schemeClr val="lt1"/>
+        </a:fontRef>
+      </dsp:style>
+      <dsp:txBody>
+        <a:bodyPr spcFirstLastPara="0" vert="horz" wrap="square" lIns="7620" tIns="7620" rIns="7620" bIns="83094" numCol="1" spcCol="1270" anchor="ctr" anchorCtr="0">
           <a:noAutofit/>
         </a:bodyPr>
         <a:lstStyle/>
@@ -7867,8 +8118,8 @@
         </a:p>
       </dsp:txBody>
       <dsp:txXfrm>
-        <a:off x="2385182" y="1217652"/>
-        <a:ext cx="1337174" cy="692329"/>
+        <a:off x="2734647" y="2196346"/>
+        <a:ext cx="1137325" cy="588856"/>
       </dsp:txXfrm>
     </dsp:sp>
     <dsp:sp modelId="{A2F7AFDA-86EB-4274-BC9B-0D0273B9676E}">
@@ -7878,8 +8129,8 @@
       </dsp:nvSpPr>
       <dsp:spPr>
         <a:xfrm>
-          <a:off x="2658887" y="1724643"/>
-          <a:ext cx="1275424" cy="293750"/>
+          <a:off x="2967445" y="2627564"/>
+          <a:ext cx="1084803" cy="249847"/>
         </a:xfrm>
         <a:prstGeom prst="rect">
           <a:avLst/>
@@ -7952,8 +8203,8 @@
         </a:p>
       </dsp:txBody>
       <dsp:txXfrm>
-        <a:off x="2658887" y="1724643"/>
-        <a:ext cx="1275424" cy="293750"/>
+        <a:off x="2967445" y="2627564"/>
+        <a:ext cx="1084803" cy="249847"/>
       </dsp:txXfrm>
     </dsp:sp>
     <dsp:sp modelId="{25343B94-49FB-44BB-AFF9-6C2BB17E8B5E}">
@@ -7963,8 +8214,8 @@
       </dsp:nvSpPr>
       <dsp:spPr>
         <a:xfrm>
-          <a:off x="2384315" y="2222996"/>
-          <a:ext cx="1337174" cy="692329"/>
+          <a:off x="2656632" y="3051435"/>
+          <a:ext cx="1137325" cy="588856"/>
         </a:xfrm>
         <a:prstGeom prst="rect">
           <a:avLst/>
@@ -8012,7 +8263,7 @@
         </a:fontRef>
       </dsp:style>
       <dsp:txBody>
-        <a:bodyPr spcFirstLastPara="0" vert="horz" wrap="square" lIns="7620" tIns="7620" rIns="7620" bIns="97695" numCol="1" spcCol="1270" anchor="ctr" anchorCtr="0">
+        <a:bodyPr spcFirstLastPara="0" vert="horz" wrap="square" lIns="7620" tIns="7620" rIns="7620" bIns="83094" numCol="1" spcCol="1270" anchor="ctr" anchorCtr="0">
           <a:noAutofit/>
         </a:bodyPr>
         <a:lstStyle/>
@@ -8040,8 +8291,8 @@
         </a:p>
       </dsp:txBody>
       <dsp:txXfrm>
-        <a:off x="2384315" y="2222996"/>
-        <a:ext cx="1337174" cy="692329"/>
+        <a:off x="2656632" y="3051435"/>
+        <a:ext cx="1137325" cy="588856"/>
       </dsp:txXfrm>
     </dsp:sp>
     <dsp:sp modelId="{BB95E758-77D9-4392-909E-ECD227327D01}">
@@ -8051,8 +8302,8 @@
       </dsp:nvSpPr>
       <dsp:spPr>
         <a:xfrm>
-          <a:off x="2684960" y="2747987"/>
-          <a:ext cx="1374901" cy="295885"/>
+          <a:off x="2692476" y="3475470"/>
+          <a:ext cx="1609149" cy="296650"/>
         </a:xfrm>
         <a:prstGeom prst="rect">
           <a:avLst/>
@@ -8141,8 +8392,8 @@
         </a:p>
       </dsp:txBody>
       <dsp:txXfrm>
-        <a:off x="2684960" y="2747987"/>
-        <a:ext cx="1374901" cy="295885"/>
+        <a:off x="2692476" y="3475470"/>
+        <a:ext cx="1609149" cy="296650"/>
       </dsp:txXfrm>
     </dsp:sp>
     <dsp:sp modelId="{31E0648C-6AA2-4CF2-9136-2EB6D6849F75}">
@@ -8152,8 +8403,8 @@
       </dsp:nvSpPr>
       <dsp:spPr>
         <a:xfrm>
-          <a:off x="1218986" y="4558721"/>
-          <a:ext cx="1745908" cy="692329"/>
+          <a:off x="1661990" y="5060565"/>
+          <a:ext cx="1484971" cy="588856"/>
         </a:xfrm>
         <a:prstGeom prst="rect">
           <a:avLst/>
@@ -8201,7 +8452,7 @@
         </a:fontRef>
       </dsp:style>
       <dsp:txBody>
-        <a:bodyPr spcFirstLastPara="0" vert="horz" wrap="square" lIns="7620" tIns="7620" rIns="7620" bIns="97695" numCol="1" spcCol="1270" anchor="ctr" anchorCtr="0">
+        <a:bodyPr spcFirstLastPara="0" vert="horz" wrap="square" lIns="7620" tIns="7620" rIns="7620" bIns="83094" numCol="1" spcCol="1270" anchor="ctr" anchorCtr="0">
           <a:noAutofit/>
         </a:bodyPr>
         <a:lstStyle/>
@@ -8229,8 +8480,8 @@
         </a:p>
       </dsp:txBody>
       <dsp:txXfrm>
-        <a:off x="1218986" y="4558721"/>
-        <a:ext cx="1745908" cy="692329"/>
+        <a:off x="1661990" y="5060565"/>
+        <a:ext cx="1484971" cy="588856"/>
       </dsp:txXfrm>
     </dsp:sp>
     <dsp:sp modelId="{79007A5F-79F1-49C2-9557-04F9B95E435E}">
@@ -8240,8 +8491,8 @@
       </dsp:nvSpPr>
       <dsp:spPr>
         <a:xfrm>
-          <a:off x="1690788" y="5097200"/>
-          <a:ext cx="1203457" cy="230776"/>
+          <a:off x="2063278" y="5518564"/>
+          <a:ext cx="1023592" cy="196285"/>
         </a:xfrm>
         <a:prstGeom prst="rect">
           <a:avLst/>
@@ -8314,8 +8565,8 @@
         </a:p>
       </dsp:txBody>
       <dsp:txXfrm>
-        <a:off x="1690788" y="5097200"/>
-        <a:ext cx="1203457" cy="230776"/>
+        <a:off x="2063278" y="5518564"/>
+        <a:ext cx="1023592" cy="196285"/>
       </dsp:txXfrm>
     </dsp:sp>
     <dsp:sp modelId="{B9EDA11B-C7AA-43D8-9B53-7713D2CA7FE0}">
@@ -8325,8 +8576,8 @@
       </dsp:nvSpPr>
       <dsp:spPr>
         <a:xfrm>
-          <a:off x="3287982" y="4558721"/>
-          <a:ext cx="1573453" cy="692329"/>
+          <a:off x="3421762" y="5060565"/>
+          <a:ext cx="1338290" cy="588856"/>
         </a:xfrm>
         <a:prstGeom prst="rect">
           <a:avLst/>
@@ -8374,7 +8625,7 @@
         </a:fontRef>
       </dsp:style>
       <dsp:txBody>
-        <a:bodyPr spcFirstLastPara="0" vert="horz" wrap="square" lIns="7620" tIns="7620" rIns="7620" bIns="97695" numCol="1" spcCol="1270" anchor="ctr" anchorCtr="0">
+        <a:bodyPr spcFirstLastPara="0" vert="horz" wrap="square" lIns="7620" tIns="7620" rIns="7620" bIns="83094" numCol="1" spcCol="1270" anchor="ctr" anchorCtr="0">
           <a:noAutofit/>
         </a:bodyPr>
         <a:lstStyle/>
@@ -8406,8 +8657,8 @@
         </a:p>
       </dsp:txBody>
       <dsp:txXfrm>
-        <a:off x="3287982" y="4558721"/>
-        <a:ext cx="1573453" cy="692329"/>
+        <a:off x="3421762" y="5060565"/>
+        <a:ext cx="1338290" cy="588856"/>
       </dsp:txXfrm>
     </dsp:sp>
     <dsp:sp modelId="{3BAD1AEA-418A-4FF2-8C37-6E86CA4A16EC}">
@@ -8417,8 +8668,8 @@
       </dsp:nvSpPr>
       <dsp:spPr>
         <a:xfrm>
-          <a:off x="3852823" y="5097815"/>
-          <a:ext cx="1203457" cy="230776"/>
+          <a:off x="3740671" y="5518754"/>
+          <a:ext cx="1346618" cy="196285"/>
         </a:xfrm>
         <a:prstGeom prst="rect">
           <a:avLst/>
@@ -8491,8 +8742,8 @@
         </a:p>
       </dsp:txBody>
       <dsp:txXfrm>
-        <a:off x="3852823" y="5097815"/>
-        <a:ext cx="1203457" cy="230776"/>
+        <a:off x="3740671" y="5518754"/>
+        <a:ext cx="1346618" cy="196285"/>
       </dsp:txXfrm>
     </dsp:sp>
     <dsp:sp modelId="{20DC4BF3-79E5-4DA4-9F9D-305F11603ECB}">
@@ -8502,8 +8753,8 @@
       </dsp:nvSpPr>
       <dsp:spPr>
         <a:xfrm>
-          <a:off x="1415564" y="3466379"/>
-          <a:ext cx="1337174" cy="692329"/>
+          <a:off x="1909945" y="4131479"/>
+          <a:ext cx="1137325" cy="588856"/>
         </a:xfrm>
         <a:prstGeom prst="rect">
           <a:avLst/>
@@ -8551,7 +8802,7 @@
         </a:fontRef>
       </dsp:style>
       <dsp:txBody>
-        <a:bodyPr spcFirstLastPara="0" vert="horz" wrap="square" lIns="7620" tIns="7620" rIns="7620" bIns="97695" numCol="1" spcCol="1270" anchor="ctr" anchorCtr="0">
+        <a:bodyPr spcFirstLastPara="0" vert="horz" wrap="square" lIns="7620" tIns="7620" rIns="7620" bIns="83094" numCol="1" spcCol="1270" anchor="ctr" anchorCtr="0">
           <a:noAutofit/>
         </a:bodyPr>
         <a:lstStyle/>
@@ -8579,8 +8830,8 @@
         </a:p>
       </dsp:txBody>
       <dsp:txXfrm>
-        <a:off x="1415564" y="3466379"/>
-        <a:ext cx="1337174" cy="692329"/>
+        <a:off x="1909945" y="4131479"/>
+        <a:ext cx="1137325" cy="588856"/>
       </dsp:txXfrm>
     </dsp:sp>
     <dsp:sp modelId="{0488DDFB-00EC-416A-9B47-52C08CDA82C4}">
@@ -8590,8 +8841,8 @@
       </dsp:nvSpPr>
       <dsp:spPr>
         <a:xfrm>
-          <a:off x="1682999" y="4004857"/>
-          <a:ext cx="1203457" cy="230776"/>
+          <a:off x="2137410" y="4589479"/>
+          <a:ext cx="1023592" cy="196285"/>
         </a:xfrm>
         <a:prstGeom prst="rect">
           <a:avLst/>
@@ -8656,8 +8907,8 @@
         </a:p>
       </dsp:txBody>
       <dsp:txXfrm>
-        <a:off x="1682999" y="4004857"/>
-        <a:ext cx="1203457" cy="230776"/>
+        <a:off x="2137410" y="4589479"/>
+        <a:ext cx="1023592" cy="196285"/>
       </dsp:txXfrm>
     </dsp:sp>
   </dsp:spTree>
@@ -16726,7 +16977,7 @@
             <a:fld id="{D247D143-0708-4A9C-8FA7-4C01CA97F08A}" type="datetimeFigureOut">
               <a:rPr lang="es-PE" smtClean="0"/>
               <a:pPr/>
-              <a:t>21/04/2011</a:t>
+              <a:t>25/04/2011</a:t>
             </a:fld>
             <a:endParaRPr lang="es-PE"/>
           </a:p>
@@ -16897,7 +17148,7 @@
     </p:spTree>
     <p:extLst>
       <p:ext uri="{BB962C8B-B14F-4D97-AF65-F5344CB8AC3E}">
-        <p14:creationId xmlns="" xmlns:p14="http://schemas.microsoft.com/office/powerpoint/2010/main" val="1586905226"/>
+        <p14:creationId xmlns:p14="http://schemas.microsoft.com/office/powerpoint/2010/main" val="1586905226"/>
       </p:ext>
     </p:extLst>
   </p:cSld>
@@ -17261,7 +17512,7 @@
             <a:fld id="{BD75BDA0-3A4D-4BFC-A8D8-AC24E94DD2C6}" type="datetimeFigureOut">
               <a:rPr lang="es-PE" smtClean="0"/>
               <a:pPr/>
-              <a:t>21/04/2011</a:t>
+              <a:t>25/04/2011</a:t>
             </a:fld>
             <a:endParaRPr lang="es-PE"/>
           </a:p>
@@ -17428,7 +17679,7 @@
             <a:fld id="{BD75BDA0-3A4D-4BFC-A8D8-AC24E94DD2C6}" type="datetimeFigureOut">
               <a:rPr lang="es-PE" smtClean="0"/>
               <a:pPr/>
-              <a:t>21/04/2011</a:t>
+              <a:t>25/04/2011</a:t>
             </a:fld>
             <a:endParaRPr lang="es-PE"/>
           </a:p>
@@ -17605,7 +17856,7 @@
             <a:fld id="{BD75BDA0-3A4D-4BFC-A8D8-AC24E94DD2C6}" type="datetimeFigureOut">
               <a:rPr lang="es-PE" smtClean="0"/>
               <a:pPr/>
-              <a:t>21/04/2011</a:t>
+              <a:t>25/04/2011</a:t>
             </a:fld>
             <a:endParaRPr lang="es-PE"/>
           </a:p>
@@ -17772,7 +18023,7 @@
             <a:fld id="{BD75BDA0-3A4D-4BFC-A8D8-AC24E94DD2C6}" type="datetimeFigureOut">
               <a:rPr lang="es-PE" smtClean="0"/>
               <a:pPr/>
-              <a:t>21/04/2011</a:t>
+              <a:t>25/04/2011</a:t>
             </a:fld>
             <a:endParaRPr lang="es-PE"/>
           </a:p>
@@ -18015,7 +18266,7 @@
             <a:fld id="{BD75BDA0-3A4D-4BFC-A8D8-AC24E94DD2C6}" type="datetimeFigureOut">
               <a:rPr lang="es-PE" smtClean="0"/>
               <a:pPr/>
-              <a:t>21/04/2011</a:t>
+              <a:t>25/04/2011</a:t>
             </a:fld>
             <a:endParaRPr lang="es-PE"/>
           </a:p>
@@ -18300,7 +18551,7 @@
             <a:fld id="{BD75BDA0-3A4D-4BFC-A8D8-AC24E94DD2C6}" type="datetimeFigureOut">
               <a:rPr lang="es-PE" smtClean="0"/>
               <a:pPr/>
-              <a:t>21/04/2011</a:t>
+              <a:t>25/04/2011</a:t>
             </a:fld>
             <a:endParaRPr lang="es-PE"/>
           </a:p>
@@ -18719,7 +18970,7 @@
             <a:fld id="{BD75BDA0-3A4D-4BFC-A8D8-AC24E94DD2C6}" type="datetimeFigureOut">
               <a:rPr lang="es-PE" smtClean="0"/>
               <a:pPr/>
-              <a:t>21/04/2011</a:t>
+              <a:t>25/04/2011</a:t>
             </a:fld>
             <a:endParaRPr lang="es-PE"/>
           </a:p>
@@ -18834,7 +19085,7 @@
             <a:fld id="{BD75BDA0-3A4D-4BFC-A8D8-AC24E94DD2C6}" type="datetimeFigureOut">
               <a:rPr lang="es-PE" smtClean="0"/>
               <a:pPr/>
-              <a:t>21/04/2011</a:t>
+              <a:t>25/04/2011</a:t>
             </a:fld>
             <a:endParaRPr lang="es-PE"/>
           </a:p>
@@ -18926,7 +19177,7 @@
             <a:fld id="{BD75BDA0-3A4D-4BFC-A8D8-AC24E94DD2C6}" type="datetimeFigureOut">
               <a:rPr lang="es-PE" smtClean="0"/>
               <a:pPr/>
-              <a:t>21/04/2011</a:t>
+              <a:t>25/04/2011</a:t>
             </a:fld>
             <a:endParaRPr lang="es-PE"/>
           </a:p>
@@ -19200,7 +19451,7 @@
             <a:fld id="{BD75BDA0-3A4D-4BFC-A8D8-AC24E94DD2C6}" type="datetimeFigureOut">
               <a:rPr lang="es-PE" smtClean="0"/>
               <a:pPr/>
-              <a:t>21/04/2011</a:t>
+              <a:t>25/04/2011</a:t>
             </a:fld>
             <a:endParaRPr lang="es-PE"/>
           </a:p>
@@ -19450,7 +19701,7 @@
             <a:fld id="{BD75BDA0-3A4D-4BFC-A8D8-AC24E94DD2C6}" type="datetimeFigureOut">
               <a:rPr lang="es-PE" smtClean="0"/>
               <a:pPr/>
-              <a:t>21/04/2011</a:t>
+              <a:t>25/04/2011</a:t>
             </a:fld>
             <a:endParaRPr lang="es-PE"/>
           </a:p>
@@ -19660,7 +19911,7 @@
             <a:fld id="{BD75BDA0-3A4D-4BFC-A8D8-AC24E94DD2C6}" type="datetimeFigureOut">
               <a:rPr lang="es-PE" smtClean="0"/>
               <a:pPr/>
-              <a:t>21/04/2011</a:t>
+              <a:t>25/04/2011</a:t>
             </a:fld>
             <a:endParaRPr lang="es-PE"/>
           </a:p>
@@ -20758,208 +21009,6 @@
       </p:sp>
       <p:graphicFrame>
         <p:nvGraphicFramePr>
-          <p:cNvPr id="14" name="13 Tabla"/>
-          <p:cNvGraphicFramePr>
-            <a:graphicFrameLocks noGrp="1"/>
-          </p:cNvGraphicFramePr>
-          <p:nvPr>
-            <p:extLst>
-              <p:ext uri="{D42A27DB-BD31-4B8C-83A1-F6EECF244321}">
-                <p14:modId xmlns="" xmlns:p14="http://schemas.microsoft.com/office/powerpoint/2010/main" val="3808815981"/>
-              </p:ext>
-            </p:extLst>
-          </p:nvPr>
-        </p:nvGraphicFramePr>
-        <p:xfrm>
-          <a:off x="611560" y="1881768"/>
-          <a:ext cx="7776864" cy="822960"/>
-        </p:xfrm>
-        <a:graphic>
-          <a:graphicData uri="http://schemas.openxmlformats.org/drawingml/2006/table">
-            <a:tbl>
-              <a:tblPr firstRow="1" bandRow="1">
-                <a:tableStyleId>{5C22544A-7EE6-4342-B048-85BDC9FD1C3A}</a:tableStyleId>
-              </a:tblPr>
-              <a:tblGrid>
-                <a:gridCol w="4556143"/>
-                <a:gridCol w="1413975"/>
-                <a:gridCol w="1806746"/>
-              </a:tblGrid>
-              <a:tr h="318904">
-                <a:tc>
-                  <a:txBody>
-                    <a:bodyPr/>
-                    <a:lstStyle/>
-                    <a:p>
-                      <a:pPr lvl="0"/>
-                      <a:r>
-                        <a:rPr lang="es-PE" sz="1200" b="0" kern="1200" cap="all" baseline="0" dirty="0" smtClean="0">
-                          <a:solidFill>
-                            <a:sysClr val="windowText" lastClr="000000"/>
-                          </a:solidFill>
-                          <a:latin typeface="+mn-lt"/>
-                          <a:ea typeface="+mn-ea"/>
-                          <a:cs typeface="+mn-cs"/>
-                        </a:rPr>
-                        <a:t>Retraso en la presentación de entregables y/o artefactos del proyecto, dado que estos no se desarrollen al margen del cronograma.</a:t>
-                      </a:r>
-                      <a:endParaRPr lang="es-PE" sz="1200" b="0" kern="1200" cap="all" baseline="0" dirty="0">
-                        <a:solidFill>
-                          <a:sysClr val="windowText" lastClr="000000"/>
-                        </a:solidFill>
-                        <a:latin typeface="+mn-lt"/>
-                        <a:ea typeface="+mn-ea"/>
-                        <a:cs typeface="+mn-cs"/>
-                      </a:endParaRPr>
-                    </a:p>
-                  </a:txBody>
-                  <a:tcPr marL="137160" marR="137160" marT="137160" marB="137160">
-                    <a:noFill/>
-                  </a:tcPr>
-                </a:tc>
-                <a:tc>
-                  <a:txBody>
-                    <a:bodyPr/>
-                    <a:lstStyle/>
-                    <a:p>
-                      <a:pPr algn="ctr"/>
-                      <a:endParaRPr lang="en-US" sz="1200" b="0" kern="1200" cap="all" baseline="0" dirty="0" smtClean="0">
-                        <a:solidFill>
-                          <a:sysClr val="windowText" lastClr="000000"/>
-                        </a:solidFill>
-                        <a:latin typeface="+mn-lt"/>
-                        <a:ea typeface="+mn-ea"/>
-                        <a:cs typeface="+mn-cs"/>
-                      </a:endParaRPr>
-                    </a:p>
-                    <a:p>
-                      <a:pPr algn="ctr"/>
-                      <a:endParaRPr lang="es-PE" sz="1200" b="0" kern="1200" cap="all" baseline="0" dirty="0">
-                        <a:solidFill>
-                          <a:sysClr val="windowText" lastClr="000000"/>
-                        </a:solidFill>
-                        <a:latin typeface="+mn-lt"/>
-                        <a:ea typeface="+mn-ea"/>
-                        <a:cs typeface="+mn-cs"/>
-                      </a:endParaRPr>
-                    </a:p>
-                  </a:txBody>
-                  <a:tcPr marL="137160" marR="137160" marT="137160" marB="137160">
-                    <a:noFill/>
-                  </a:tcPr>
-                </a:tc>
-                <a:tc>
-                  <a:txBody>
-                    <a:bodyPr/>
-                    <a:lstStyle/>
-                    <a:p>
-                      <a:pPr algn="ctr"/>
-                      <a:endParaRPr lang="es-PE" b="0" dirty="0">
-                        <a:solidFill>
-                          <a:sysClr val="windowText" lastClr="000000"/>
-                        </a:solidFill>
-                      </a:endParaRPr>
-                    </a:p>
-                  </a:txBody>
-                  <a:tcPr marL="137160" marR="137160" marT="137160" marB="137160">
-                    <a:noFill/>
-                  </a:tcPr>
-                </a:tc>
-              </a:tr>
-            </a:tbl>
-          </a:graphicData>
-        </a:graphic>
-      </p:graphicFrame>
-      <p:sp>
-        <p:nvSpPr>
-          <p:cNvPr id="15" name="14 Rectángulo redondeado"/>
-          <p:cNvSpPr/>
-          <p:nvPr/>
-        </p:nvSpPr>
-        <p:spPr>
-          <a:xfrm>
-            <a:off x="611560" y="1916832"/>
-            <a:ext cx="7920880" cy="792088"/>
-          </a:xfrm>
-          <a:prstGeom prst="roundRect">
-            <a:avLst/>
-          </a:prstGeom>
-          <a:noFill/>
-          <a:ln>
-            <a:solidFill>
-              <a:schemeClr val="tx2">
-                <a:lumMod val="60000"/>
-                <a:lumOff val="40000"/>
-              </a:schemeClr>
-            </a:solidFill>
-            <a:prstDash val="dash"/>
-          </a:ln>
-        </p:spPr>
-        <p:style>
-          <a:lnRef idx="2">
-            <a:schemeClr val="accent1">
-              <a:shade val="50000"/>
-            </a:schemeClr>
-          </a:lnRef>
-          <a:fillRef idx="1">
-            <a:schemeClr val="accent1"/>
-          </a:fillRef>
-          <a:effectRef idx="0">
-            <a:schemeClr val="accent1"/>
-          </a:effectRef>
-          <a:fontRef idx="minor">
-            <a:schemeClr val="lt1"/>
-          </a:fontRef>
-        </p:style>
-        <p:txBody>
-          <a:bodyPr rtlCol="0" anchor="ctr"/>
-          <a:lstStyle/>
-          <a:p>
-            <a:pPr algn="ctr"/>
-            <a:endParaRPr lang="es-PE"/>
-          </a:p>
-        </p:txBody>
-      </p:sp>
-      <p:sp>
-        <p:nvSpPr>
-          <p:cNvPr id="16" name="15 Elipse"/>
-          <p:cNvSpPr/>
-          <p:nvPr/>
-        </p:nvSpPr>
-        <p:spPr>
-          <a:xfrm>
-            <a:off x="7473932" y="2177244"/>
-            <a:ext cx="216024" cy="216024"/>
-          </a:xfrm>
-          <a:prstGeom prst="ellipse">
-            <a:avLst/>
-          </a:prstGeom>
-        </p:spPr>
-        <p:style>
-          <a:lnRef idx="0">
-            <a:schemeClr val="accent3"/>
-          </a:lnRef>
-          <a:fillRef idx="3">
-            <a:schemeClr val="accent3"/>
-          </a:fillRef>
-          <a:effectRef idx="3">
-            <a:schemeClr val="accent3"/>
-          </a:effectRef>
-          <a:fontRef idx="minor">
-            <a:schemeClr val="lt1"/>
-          </a:fontRef>
-        </p:style>
-        <p:txBody>
-          <a:bodyPr rtlCol="0" anchor="ctr"/>
-          <a:lstStyle/>
-          <a:p>
-            <a:pPr algn="ctr"/>
-            <a:endParaRPr lang="es-PE"/>
-          </a:p>
-        </p:txBody>
-      </p:sp>
-      <p:graphicFrame>
-        <p:nvGraphicFramePr>
           <p:cNvPr id="17" name="16 Tabla"/>
           <p:cNvGraphicFramePr>
             <a:graphicFrameLocks noGrp="1"/>
@@ -20967,13 +21016,13 @@
           <p:nvPr>
             <p:extLst>
               <p:ext uri="{D42A27DB-BD31-4B8C-83A1-F6EECF244321}">
-                <p14:modId xmlns="" xmlns:p14="http://schemas.microsoft.com/office/powerpoint/2010/main" val="3574471357"/>
+                <p14:modId xmlns:p14="http://schemas.microsoft.com/office/powerpoint/2010/main" val="350099363"/>
               </p:ext>
             </p:extLst>
           </p:nvPr>
         </p:nvGraphicFramePr>
         <p:xfrm>
-          <a:off x="611560" y="2780928"/>
+          <a:off x="581365" y="2314952"/>
           <a:ext cx="7776864" cy="640080"/>
         </p:xfrm>
         <a:graphic>
@@ -21079,7 +21128,7 @@
         </p:nvSpPr>
         <p:spPr>
           <a:xfrm>
-            <a:off x="611560" y="2822848"/>
+            <a:off x="581365" y="2356872"/>
             <a:ext cx="7920880" cy="750168"/>
           </a:xfrm>
           <a:prstGeom prst="roundRect">
@@ -21129,7 +21178,7 @@
         </p:nvSpPr>
         <p:spPr>
           <a:xfrm>
-            <a:off x="7452320" y="3089920"/>
+            <a:off x="7422125" y="2623944"/>
             <a:ext cx="216024" cy="216024"/>
           </a:xfrm>
           <a:prstGeom prst="ellipse">
@@ -21196,44 +21245,6 @@
           </a:p>
         </p:txBody>
       </p:sp>
-      <p:sp>
-        <p:nvSpPr>
-          <p:cNvPr id="27" name="26 Elipse"/>
-          <p:cNvSpPr/>
-          <p:nvPr/>
-        </p:nvSpPr>
-        <p:spPr>
-          <a:xfrm>
-            <a:off x="5832140" y="2177244"/>
-            <a:ext cx="216024" cy="216024"/>
-          </a:xfrm>
-          <a:prstGeom prst="ellipse">
-            <a:avLst/>
-          </a:prstGeom>
-        </p:spPr>
-        <p:style>
-          <a:lnRef idx="0">
-            <a:schemeClr val="accent6"/>
-          </a:lnRef>
-          <a:fillRef idx="3">
-            <a:schemeClr val="accent6"/>
-          </a:fillRef>
-          <a:effectRef idx="3">
-            <a:schemeClr val="accent6"/>
-          </a:effectRef>
-          <a:fontRef idx="minor">
-            <a:schemeClr val="lt1"/>
-          </a:fontRef>
-        </p:style>
-        <p:txBody>
-          <a:bodyPr rtlCol="0" anchor="ctr"/>
-          <a:lstStyle/>
-          <a:p>
-            <a:pPr algn="ctr"/>
-            <a:endParaRPr lang="es-PE"/>
-          </a:p>
-        </p:txBody>
-      </p:sp>
       <p:graphicFrame>
         <p:nvGraphicFramePr>
           <p:cNvPr id="31" name="30 Tabla"/>
@@ -21243,13 +21254,13 @@
           <p:nvPr>
             <p:extLst>
               <p:ext uri="{D42A27DB-BD31-4B8C-83A1-F6EECF244321}">
-                <p14:modId xmlns="" xmlns:p14="http://schemas.microsoft.com/office/powerpoint/2010/main" val="2659068792"/>
+                <p14:modId xmlns:p14="http://schemas.microsoft.com/office/powerpoint/2010/main" val="1682318995"/>
               </p:ext>
             </p:extLst>
           </p:nvPr>
         </p:nvGraphicFramePr>
         <p:xfrm>
-          <a:off x="611560" y="4695056"/>
+          <a:off x="581365" y="4229080"/>
           <a:ext cx="7776864" cy="640080"/>
         </p:xfrm>
         <a:graphic>
@@ -21345,7 +21356,7 @@
         </p:nvSpPr>
         <p:spPr>
           <a:xfrm>
-            <a:off x="611560" y="4623048"/>
+            <a:off x="581365" y="4157072"/>
             <a:ext cx="7920880" cy="750168"/>
           </a:xfrm>
           <a:prstGeom prst="roundRect">
@@ -21395,7 +21406,7 @@
         </p:nvSpPr>
         <p:spPr>
           <a:xfrm>
-            <a:off x="7473932" y="4869160"/>
+            <a:off x="7443737" y="4403184"/>
             <a:ext cx="216024" cy="216024"/>
           </a:xfrm>
           <a:prstGeom prst="ellipse">
@@ -21433,7 +21444,7 @@
         </p:nvSpPr>
         <p:spPr>
           <a:xfrm>
-            <a:off x="5832140" y="4869160"/>
+            <a:off x="5801945" y="4403184"/>
             <a:ext cx="216024" cy="216024"/>
           </a:xfrm>
           <a:prstGeom prst="ellipse">
@@ -21472,13 +21483,13 @@
           <p:nvPr>
             <p:extLst>
               <p:ext uri="{D42A27DB-BD31-4B8C-83A1-F6EECF244321}">
-                <p14:modId xmlns="" xmlns:p14="http://schemas.microsoft.com/office/powerpoint/2010/main" val="2832150445"/>
+                <p14:modId xmlns:p14="http://schemas.microsoft.com/office/powerpoint/2010/main" val="2860667519"/>
               </p:ext>
             </p:extLst>
           </p:nvPr>
         </p:nvGraphicFramePr>
         <p:xfrm>
-          <a:off x="611560" y="3789040"/>
+          <a:off x="581365" y="3323064"/>
           <a:ext cx="7776864" cy="640080"/>
         </p:xfrm>
         <a:graphic>
@@ -21574,7 +21585,7 @@
         </p:nvSpPr>
         <p:spPr>
           <a:xfrm>
-            <a:off x="611560" y="3717032"/>
+            <a:off x="581365" y="3251056"/>
             <a:ext cx="7920880" cy="720080"/>
           </a:xfrm>
           <a:prstGeom prst="roundRect">
@@ -21624,7 +21635,7 @@
         </p:nvSpPr>
         <p:spPr>
           <a:xfrm>
-            <a:off x="7452320" y="3933056"/>
+            <a:off x="7422125" y="3467080"/>
             <a:ext cx="216024" cy="216024"/>
           </a:xfrm>
           <a:prstGeom prst="ellipse">
@@ -21662,7 +21673,7 @@
         </p:nvSpPr>
         <p:spPr>
           <a:xfrm>
-            <a:off x="5868144" y="3933056"/>
+            <a:off x="5837949" y="3467080"/>
             <a:ext cx="216024" cy="216024"/>
           </a:xfrm>
           <a:prstGeom prst="ellipse">
@@ -21700,7 +21711,7 @@
         </p:nvSpPr>
         <p:spPr>
           <a:xfrm>
-            <a:off x="5832140" y="3032238"/>
+            <a:off x="5801945" y="2566262"/>
             <a:ext cx="216024" cy="216024"/>
           </a:xfrm>
           <a:prstGeom prst="ellipse">
@@ -22932,7 +22943,7 @@
           <p:nvPr>
             <p:extLst>
               <p:ext uri="{D42A27DB-BD31-4B8C-83A1-F6EECF244321}">
-                <p14:modId xmlns="" xmlns:p14="http://schemas.microsoft.com/office/powerpoint/2010/main" val="2133029002"/>
+                <p14:modId xmlns:p14="http://schemas.microsoft.com/office/powerpoint/2010/main" val="2133029002"/>
               </p:ext>
             </p:extLst>
           </p:nvPr>
@@ -23503,7 +23514,7 @@
           <p:nvPr>
             <p:extLst>
               <p:ext uri="{D42A27DB-BD31-4B8C-83A1-F6EECF244321}">
-                <p14:modId xmlns="" xmlns:p14="http://schemas.microsoft.com/office/powerpoint/2010/main" val="2044608021"/>
+                <p14:modId xmlns:p14="http://schemas.microsoft.com/office/powerpoint/2010/main" val="2044608021"/>
               </p:ext>
             </p:extLst>
           </p:nvPr>
@@ -25857,7 +25868,7 @@
           <p:nvPr>
             <p:extLst>
               <p:ext uri="{D42A27DB-BD31-4B8C-83A1-F6EECF244321}">
-                <p14:modId xmlns="" xmlns:p14="http://schemas.microsoft.com/office/powerpoint/2010/main" val="4126859868"/>
+                <p14:modId xmlns:p14="http://schemas.microsoft.com/office/powerpoint/2010/main" val="4126859868"/>
               </p:ext>
             </p:extLst>
           </p:nvPr>
@@ -26311,7 +26322,7 @@
           <p:nvPr>
             <p:extLst>
               <p:ext uri="{D42A27DB-BD31-4B8C-83A1-F6EECF244321}">
-                <p14:modId xmlns="" xmlns:p14="http://schemas.microsoft.com/office/powerpoint/2010/main" val="1503148034"/>
+                <p14:modId xmlns:p14="http://schemas.microsoft.com/office/powerpoint/2010/main" val="1503148034"/>
               </p:ext>
             </p:extLst>
           </p:nvPr>
@@ -27370,7 +27381,7 @@
     </p:spTree>
     <p:extLst>
       <p:ext uri="{BB962C8B-B14F-4D97-AF65-F5344CB8AC3E}">
-        <p14:creationId xmlns="" xmlns:p14="http://schemas.microsoft.com/office/powerpoint/2010/main" val="204598419"/>
+        <p14:creationId xmlns:p14="http://schemas.microsoft.com/office/powerpoint/2010/main" val="204598419"/>
       </p:ext>
     </p:extLst>
   </p:cSld>
@@ -27656,7 +27667,7 @@
           <p:nvPr>
             <p:extLst>
               <p:ext uri="{D42A27DB-BD31-4B8C-83A1-F6EECF244321}">
-                <p14:modId xmlns="" xmlns:p14="http://schemas.microsoft.com/office/powerpoint/2010/main" val="4028969836"/>
+                <p14:modId xmlns:p14="http://schemas.microsoft.com/office/powerpoint/2010/main" val="4028969836"/>
               </p:ext>
             </p:extLst>
           </p:nvPr>
@@ -27680,7 +27691,7 @@
           <p:nvPr>
             <p:extLst>
               <p:ext uri="{D42A27DB-BD31-4B8C-83A1-F6EECF244321}">
-                <p14:modId xmlns="" xmlns:p14="http://schemas.microsoft.com/office/powerpoint/2010/main" val="1577869961"/>
+                <p14:modId xmlns:p14="http://schemas.microsoft.com/office/powerpoint/2010/main" val="1577869961"/>
               </p:ext>
             </p:extLst>
           </p:nvPr>
@@ -28195,7 +28206,7 @@
           <p:nvPr>
             <p:extLst>
               <p:ext uri="{D42A27DB-BD31-4B8C-83A1-F6EECF244321}">
-                <p14:modId xmlns="" xmlns:p14="http://schemas.microsoft.com/office/powerpoint/2010/main" val="1103115174"/>
+                <p14:modId xmlns:p14="http://schemas.microsoft.com/office/powerpoint/2010/main" val="1103115174"/>
               </p:ext>
             </p:extLst>
           </p:nvPr>
@@ -28852,7 +28863,7 @@
     </p:spTree>
     <p:extLst>
       <p:ext uri="{BB962C8B-B14F-4D97-AF65-F5344CB8AC3E}">
-        <p14:creationId xmlns="" xmlns:p14="http://schemas.microsoft.com/office/powerpoint/2010/main" val="1734571722"/>
+        <p14:creationId xmlns:p14="http://schemas.microsoft.com/office/powerpoint/2010/main" val="1734571722"/>
       </p:ext>
     </p:extLst>
   </p:cSld>
@@ -29342,7 +29353,7 @@
           <p:nvPr>
             <p:extLst>
               <p:ext uri="{D42A27DB-BD31-4B8C-83A1-F6EECF244321}">
-                <p14:modId xmlns="" xmlns:p14="http://schemas.microsoft.com/office/powerpoint/2010/main" val="2493666067"/>
+                <p14:modId xmlns:p14="http://schemas.microsoft.com/office/powerpoint/2010/main" val="2493666067"/>
               </p:ext>
             </p:extLst>
           </p:nvPr>
@@ -30142,7 +30153,7 @@
           <a:blip r:embed="rId7" cstate="print">
             <a:extLst>
               <a:ext uri="{28A0092B-C50C-407E-A947-70E740481C1C}">
-                <a14:useLocalDpi xmlns="" xmlns:a14="http://schemas.microsoft.com/office/drawing/2010/main" val="0"/>
+                <a14:useLocalDpi xmlns:a14="http://schemas.microsoft.com/office/drawing/2010/main" val="0"/>
               </a:ext>
             </a:extLst>
           </a:blip>
@@ -30166,14 +30177,14 @@
           <a:effectLst/>
           <a:extLst>
             <a:ext uri="{909E8E84-426E-40DD-AFC4-6F175D3DCCD1}">
-              <a14:hiddenFill xmlns="" xmlns:a14="http://schemas.microsoft.com/office/drawing/2010/main">
+              <a14:hiddenFill xmlns:a14="http://schemas.microsoft.com/office/drawing/2010/main">
                 <a:solidFill>
                   <a:schemeClr val="accent1"/>
                 </a:solidFill>
               </a14:hiddenFill>
             </a:ext>
             <a:ext uri="{91240B29-F687-4F45-9708-019B960494DF}">
-              <a14:hiddenLine xmlns="" xmlns:a14="http://schemas.microsoft.com/office/drawing/2010/main" w="9525">
+              <a14:hiddenLine xmlns:a14="http://schemas.microsoft.com/office/drawing/2010/main" w="9525">
                 <a:solidFill>
                   <a:schemeClr val="tx1"/>
                 </a:solidFill>
@@ -30183,7 +30194,7 @@
               </a14:hiddenLine>
             </a:ext>
             <a:ext uri="{AF507438-7753-43E0-B8FC-AC1667EBCBE1}">
-              <a14:hiddenEffects xmlns="" xmlns:a14="http://schemas.microsoft.com/office/drawing/2010/main">
+              <a14:hiddenEffects xmlns:a14="http://schemas.microsoft.com/office/drawing/2010/main">
                 <a:effectLst>
                   <a:outerShdw dist="35921" dir="2700000" algn="ctr" rotWithShape="0">
                     <a:schemeClr val="bg2"/>
@@ -30909,7 +30920,7 @@
           <a:blip r:embed="rId5" cstate="print">
             <a:extLst>
               <a:ext uri="{28A0092B-C50C-407E-A947-70E740481C1C}">
-                <a14:useLocalDpi xmlns="" xmlns:a14="http://schemas.microsoft.com/office/drawing/2010/main" val="0"/>
+                <a14:useLocalDpi xmlns:a14="http://schemas.microsoft.com/office/drawing/2010/main" val="0"/>
               </a:ext>
             </a:extLst>
           </a:blip>
@@ -30939,7 +30950,7 @@
           <a:blip r:embed="rId6" cstate="print">
             <a:extLst>
               <a:ext uri="{28A0092B-C50C-407E-A947-70E740481C1C}">
-                <a14:useLocalDpi xmlns="" xmlns:a14="http://schemas.microsoft.com/office/drawing/2010/main" val="0"/>
+                <a14:useLocalDpi xmlns:a14="http://schemas.microsoft.com/office/drawing/2010/main" val="0"/>
               </a:ext>
             </a:extLst>
           </a:blip>
@@ -30969,7 +30980,7 @@
           <a:blip r:embed="rId7" cstate="print">
             <a:extLst>
               <a:ext uri="{28A0092B-C50C-407E-A947-70E740481C1C}">
-                <a14:useLocalDpi xmlns="" xmlns:a14="http://schemas.microsoft.com/office/drawing/2010/main" val="0"/>
+                <a14:useLocalDpi xmlns:a14="http://schemas.microsoft.com/office/drawing/2010/main" val="0"/>
               </a:ext>
             </a:extLst>
           </a:blip>
@@ -31696,7 +31707,7 @@
           <p:nvPr>
             <p:extLst>
               <p:ext uri="{D42A27DB-BD31-4B8C-83A1-F6EECF244321}">
-                <p14:modId xmlns="" xmlns:p14="http://schemas.microsoft.com/office/powerpoint/2010/main" val="1284860573"/>
+                <p14:modId xmlns:p14="http://schemas.microsoft.com/office/powerpoint/2010/main" val="1284860573"/>
               </p:ext>
             </p:extLst>
           </p:nvPr>
@@ -32476,7 +32487,7 @@
           <p:nvPr>
             <p:extLst>
               <p:ext uri="{D42A27DB-BD31-4B8C-83A1-F6EECF244321}">
-                <p14:modId xmlns="" xmlns:p14="http://schemas.microsoft.com/office/powerpoint/2010/main" val="2504495998"/>
+                <p14:modId xmlns:p14="http://schemas.microsoft.com/office/powerpoint/2010/main" val="2504495998"/>
               </p:ext>
             </p:extLst>
           </p:nvPr>
@@ -32552,10 +32563,10 @@
           <p:nvPr/>
         </p:nvPicPr>
         <p:blipFill>
-          <a:blip r:embed="rId10" cstate="print">
+          <a:blip r:embed="rId11" cstate="print">
             <a:extLst>
               <a:ext uri="{28A0092B-C50C-407E-A947-70E740481C1C}">
-                <a14:useLocalDpi xmlns="" xmlns:a14="http://schemas.microsoft.com/office/drawing/2010/main" val="0"/>
+                <a14:useLocalDpi xmlns:a14="http://schemas.microsoft.com/office/drawing/2010/main" val="0"/>
               </a:ext>
             </a:extLst>
           </a:blip>
@@ -32575,7 +32586,7 @@
           <a:noFill/>
           <a:extLst>
             <a:ext uri="{909E8E84-426E-40DD-AFC4-6F175D3DCCD1}">
-              <a14:hiddenFill xmlns="" xmlns:a14="http://schemas.microsoft.com/office/drawing/2010/main">
+              <a14:hiddenFill xmlns:a14="http://schemas.microsoft.com/office/drawing/2010/main">
                 <a:solidFill>
                   <a:srgbClr val="FFFFFF"/>
                 </a:solidFill>
@@ -32923,384 +32934,6 @@
       </p:sp>
       <p:graphicFrame>
         <p:nvGraphicFramePr>
-          <p:cNvPr id="15" name="14 Tabla"/>
-          <p:cNvGraphicFramePr>
-            <a:graphicFrameLocks noGrp="1"/>
-          </p:cNvGraphicFramePr>
-          <p:nvPr>
-            <p:extLst>
-              <p:ext uri="{D42A27DB-BD31-4B8C-83A1-F6EECF244321}">
-                <p14:modId xmlns="" xmlns:p14="http://schemas.microsoft.com/office/powerpoint/2010/main" val="618129391"/>
-              </p:ext>
-            </p:extLst>
-          </p:nvPr>
-        </p:nvGraphicFramePr>
-        <p:xfrm>
-          <a:off x="611560" y="2029976"/>
-          <a:ext cx="7776864" cy="640080"/>
-        </p:xfrm>
-        <a:graphic>
-          <a:graphicData uri="http://schemas.openxmlformats.org/drawingml/2006/table">
-            <a:tbl>
-              <a:tblPr firstRow="1" bandRow="1">
-                <a:tableStyleId>{5C22544A-7EE6-4342-B048-85BDC9FD1C3A}</a:tableStyleId>
-              </a:tblPr>
-              <a:tblGrid>
-                <a:gridCol w="4556143"/>
-                <a:gridCol w="1413975"/>
-                <a:gridCol w="1806746"/>
-              </a:tblGrid>
-              <a:tr h="318904">
-                <a:tc>
-                  <a:txBody>
-                    <a:bodyPr/>
-                    <a:lstStyle/>
-                    <a:p>
-                      <a:r>
-                        <a:rPr lang="es-ES" sz="1200" b="0" kern="1200" cap="all" baseline="0" dirty="0" smtClean="0">
-                          <a:solidFill>
-                            <a:sysClr val="windowText" lastClr="000000"/>
-                          </a:solidFill>
-                          <a:latin typeface="+mn-lt"/>
-                          <a:ea typeface="+mn-ea"/>
-                          <a:cs typeface="+mn-cs"/>
-                        </a:rPr>
-                        <a:t>Falta de compromiso por parte de algún integrante del equipo durante el desarrollo del proyecto</a:t>
-                      </a:r>
-                      <a:endParaRPr lang="es-PE" sz="1200" b="0" kern="1200" cap="all" baseline="0" dirty="0">
-                        <a:solidFill>
-                          <a:sysClr val="windowText" lastClr="000000"/>
-                        </a:solidFill>
-                        <a:latin typeface="+mn-lt"/>
-                        <a:ea typeface="+mn-ea"/>
-                        <a:cs typeface="+mn-cs"/>
-                      </a:endParaRPr>
-                    </a:p>
-                  </a:txBody>
-                  <a:tcPr marL="137160" marR="137160" marT="137160" marB="137160">
-                    <a:noFill/>
-                  </a:tcPr>
-                </a:tc>
-                <a:tc>
-                  <a:txBody>
-                    <a:bodyPr/>
-                    <a:lstStyle/>
-                    <a:p>
-                      <a:pPr algn="ctr"/>
-                      <a:endParaRPr lang="es-PE" sz="1200" b="0" kern="1200" dirty="0">
-                        <a:solidFill>
-                          <a:sysClr val="windowText" lastClr="000000"/>
-                        </a:solidFill>
-                        <a:latin typeface="+mn-lt"/>
-                        <a:ea typeface="+mn-ea"/>
-                        <a:cs typeface="+mn-cs"/>
-                      </a:endParaRPr>
-                    </a:p>
-                  </a:txBody>
-                  <a:tcPr marL="137160" marR="137160" marT="137160" marB="137160">
-                    <a:noFill/>
-                  </a:tcPr>
-                </a:tc>
-                <a:tc>
-                  <a:txBody>
-                    <a:bodyPr/>
-                    <a:lstStyle/>
-                    <a:p>
-                      <a:pPr algn="ctr"/>
-                      <a:endParaRPr lang="es-PE" b="0" dirty="0">
-                        <a:solidFill>
-                          <a:sysClr val="windowText" lastClr="000000"/>
-                        </a:solidFill>
-                      </a:endParaRPr>
-                    </a:p>
-                  </a:txBody>
-                  <a:tcPr marL="137160" marR="137160" marT="137160" marB="137160">
-                    <a:noFill/>
-                  </a:tcPr>
-                </a:tc>
-              </a:tr>
-            </a:tbl>
-          </a:graphicData>
-        </a:graphic>
-      </p:graphicFrame>
-      <p:sp>
-        <p:nvSpPr>
-          <p:cNvPr id="16" name="15 Rectángulo redondeado"/>
-          <p:cNvSpPr/>
-          <p:nvPr/>
-        </p:nvSpPr>
-        <p:spPr>
-          <a:xfrm>
-            <a:off x="611560" y="1988840"/>
-            <a:ext cx="7920880" cy="720080"/>
-          </a:xfrm>
-          <a:prstGeom prst="roundRect">
-            <a:avLst/>
-          </a:prstGeom>
-          <a:noFill/>
-          <a:ln>
-            <a:solidFill>
-              <a:schemeClr val="tx2">
-                <a:lumMod val="60000"/>
-                <a:lumOff val="40000"/>
-              </a:schemeClr>
-            </a:solidFill>
-            <a:prstDash val="dash"/>
-          </a:ln>
-        </p:spPr>
-        <p:style>
-          <a:lnRef idx="2">
-            <a:schemeClr val="accent1">
-              <a:shade val="50000"/>
-            </a:schemeClr>
-          </a:lnRef>
-          <a:fillRef idx="1">
-            <a:schemeClr val="accent1"/>
-          </a:fillRef>
-          <a:effectRef idx="0">
-            <a:schemeClr val="accent1"/>
-          </a:effectRef>
-          <a:fontRef idx="minor">
-            <a:schemeClr val="lt1"/>
-          </a:fontRef>
-        </p:style>
-        <p:txBody>
-          <a:bodyPr rtlCol="0" anchor="ctr"/>
-          <a:lstStyle/>
-          <a:p>
-            <a:pPr algn="ctr"/>
-            <a:endParaRPr lang="es-PE"/>
-          </a:p>
-        </p:txBody>
-      </p:sp>
-      <p:sp>
-        <p:nvSpPr>
-          <p:cNvPr id="17" name="16 Elipse"/>
-          <p:cNvSpPr/>
-          <p:nvPr/>
-        </p:nvSpPr>
-        <p:spPr>
-          <a:xfrm>
-            <a:off x="7452320" y="2204864"/>
-            <a:ext cx="216024" cy="216024"/>
-          </a:xfrm>
-          <a:prstGeom prst="ellipse">
-            <a:avLst/>
-          </a:prstGeom>
-        </p:spPr>
-        <p:style>
-          <a:lnRef idx="0">
-            <a:schemeClr val="accent3"/>
-          </a:lnRef>
-          <a:fillRef idx="3">
-            <a:schemeClr val="accent3"/>
-          </a:fillRef>
-          <a:effectRef idx="3">
-            <a:schemeClr val="accent3"/>
-          </a:effectRef>
-          <a:fontRef idx="minor">
-            <a:schemeClr val="lt1"/>
-          </a:fontRef>
-        </p:style>
-        <p:txBody>
-          <a:bodyPr rtlCol="0" anchor="ctr"/>
-          <a:lstStyle/>
-          <a:p>
-            <a:pPr algn="ctr"/>
-            <a:endParaRPr lang="es-PE"/>
-          </a:p>
-        </p:txBody>
-      </p:sp>
-      <p:graphicFrame>
-        <p:nvGraphicFramePr>
-          <p:cNvPr id="18" name="17 Tabla"/>
-          <p:cNvGraphicFramePr>
-            <a:graphicFrameLocks noGrp="1"/>
-          </p:cNvGraphicFramePr>
-          <p:nvPr>
-            <p:extLst>
-              <p:ext uri="{D42A27DB-BD31-4B8C-83A1-F6EECF244321}">
-                <p14:modId xmlns="" xmlns:p14="http://schemas.microsoft.com/office/powerpoint/2010/main" val="1203533569"/>
-              </p:ext>
-            </p:extLst>
-          </p:nvPr>
-        </p:nvGraphicFramePr>
-        <p:xfrm>
-          <a:off x="611560" y="3068960"/>
-          <a:ext cx="7776864" cy="548640"/>
-        </p:xfrm>
-        <a:graphic>
-          <a:graphicData uri="http://schemas.openxmlformats.org/drawingml/2006/table">
-            <a:tbl>
-              <a:tblPr firstRow="1" bandRow="1">
-                <a:tableStyleId>{5C22544A-7EE6-4342-B048-85BDC9FD1C3A}</a:tableStyleId>
-              </a:tblPr>
-              <a:tblGrid>
-                <a:gridCol w="4556143"/>
-                <a:gridCol w="1413975"/>
-                <a:gridCol w="1806746"/>
-              </a:tblGrid>
-              <a:tr h="318904">
-                <a:tc>
-                  <a:txBody>
-                    <a:bodyPr/>
-                    <a:lstStyle/>
-                    <a:p>
-                      <a:pPr marL="0" algn="l" defTabSz="914400" rtl="0" eaLnBrk="1" latinLnBrk="0" hangingPunct="1"/>
-                      <a:r>
-                        <a:rPr lang="es-ES" sz="1200" b="0" kern="1200" cap="all" baseline="0" dirty="0" smtClean="0">
-                          <a:solidFill>
-                            <a:sysClr val="windowText" lastClr="000000"/>
-                          </a:solidFill>
-                          <a:latin typeface="+mn-lt"/>
-                          <a:ea typeface="+mn-ea"/>
-                          <a:cs typeface="+mn-cs"/>
-                        </a:rPr>
-                        <a:t>Identificación de requerimientos inadecuada</a:t>
-                      </a:r>
-                      <a:endParaRPr lang="es-PE" sz="1200" b="0" kern="1200" cap="all" baseline="0" dirty="0">
-                        <a:solidFill>
-                          <a:sysClr val="windowText" lastClr="000000"/>
-                        </a:solidFill>
-                        <a:latin typeface="+mn-lt"/>
-                        <a:ea typeface="+mn-ea"/>
-                        <a:cs typeface="+mn-cs"/>
-                      </a:endParaRPr>
-                    </a:p>
-                  </a:txBody>
-                  <a:tcPr marL="137160" marR="137160" marT="137160" marB="137160">
-                    <a:noFill/>
-                  </a:tcPr>
-                </a:tc>
-                <a:tc>
-                  <a:txBody>
-                    <a:bodyPr/>
-                    <a:lstStyle/>
-                    <a:p>
-                      <a:pPr algn="ctr"/>
-                      <a:endParaRPr lang="es-PE" b="0" dirty="0">
-                        <a:solidFill>
-                          <a:sysClr val="windowText" lastClr="000000"/>
-                        </a:solidFill>
-                      </a:endParaRPr>
-                    </a:p>
-                  </a:txBody>
-                  <a:tcPr marL="137160" marR="137160" marT="137160" marB="137160">
-                    <a:noFill/>
-                  </a:tcPr>
-                </a:tc>
-                <a:tc>
-                  <a:txBody>
-                    <a:bodyPr/>
-                    <a:lstStyle/>
-                    <a:p>
-                      <a:pPr algn="ctr"/>
-                      <a:endParaRPr lang="es-PE" b="0" dirty="0">
-                        <a:solidFill>
-                          <a:sysClr val="windowText" lastClr="000000"/>
-                        </a:solidFill>
-                      </a:endParaRPr>
-                    </a:p>
-                  </a:txBody>
-                  <a:tcPr marL="137160" marR="137160" marT="137160" marB="137160">
-                    <a:noFill/>
-                  </a:tcPr>
-                </a:tc>
-              </a:tr>
-            </a:tbl>
-          </a:graphicData>
-        </a:graphic>
-      </p:graphicFrame>
-      <p:sp>
-        <p:nvSpPr>
-          <p:cNvPr id="19" name="18 Rectángulo redondeado"/>
-          <p:cNvSpPr/>
-          <p:nvPr/>
-        </p:nvSpPr>
-        <p:spPr>
-          <a:xfrm>
-            <a:off x="611560" y="2924944"/>
-            <a:ext cx="7920880" cy="720080"/>
-          </a:xfrm>
-          <a:prstGeom prst="roundRect">
-            <a:avLst/>
-          </a:prstGeom>
-          <a:noFill/>
-          <a:ln>
-            <a:solidFill>
-              <a:schemeClr val="tx2">
-                <a:lumMod val="60000"/>
-                <a:lumOff val="40000"/>
-              </a:schemeClr>
-            </a:solidFill>
-            <a:prstDash val="dash"/>
-          </a:ln>
-        </p:spPr>
-        <p:style>
-          <a:lnRef idx="2">
-            <a:schemeClr val="accent1">
-              <a:shade val="50000"/>
-            </a:schemeClr>
-          </a:lnRef>
-          <a:fillRef idx="1">
-            <a:schemeClr val="accent1"/>
-          </a:fillRef>
-          <a:effectRef idx="0">
-            <a:schemeClr val="accent1"/>
-          </a:effectRef>
-          <a:fontRef idx="minor">
-            <a:schemeClr val="lt1"/>
-          </a:fontRef>
-        </p:style>
-        <p:txBody>
-          <a:bodyPr rtlCol="0" anchor="ctr"/>
-          <a:lstStyle/>
-          <a:p>
-            <a:pPr algn="ctr"/>
-            <a:endParaRPr lang="es-PE"/>
-          </a:p>
-        </p:txBody>
-      </p:sp>
-      <p:sp>
-        <p:nvSpPr>
-          <p:cNvPr id="20" name="19 Elipse"/>
-          <p:cNvSpPr/>
-          <p:nvPr/>
-        </p:nvSpPr>
-        <p:spPr>
-          <a:xfrm>
-            <a:off x="7452320" y="3140968"/>
-            <a:ext cx="216024" cy="216024"/>
-          </a:xfrm>
-          <a:prstGeom prst="ellipse">
-            <a:avLst/>
-          </a:prstGeom>
-        </p:spPr>
-        <p:style>
-          <a:lnRef idx="0">
-            <a:schemeClr val="accent3"/>
-          </a:lnRef>
-          <a:fillRef idx="3">
-            <a:schemeClr val="accent3"/>
-          </a:fillRef>
-          <a:effectRef idx="3">
-            <a:schemeClr val="accent3"/>
-          </a:effectRef>
-          <a:fontRef idx="minor">
-            <a:schemeClr val="lt1"/>
-          </a:fontRef>
-        </p:style>
-        <p:txBody>
-          <a:bodyPr rtlCol="0" anchor="ctr"/>
-          <a:lstStyle/>
-          <a:p>
-            <a:pPr algn="ctr"/>
-            <a:endParaRPr lang="es-PE"/>
-          </a:p>
-        </p:txBody>
-      </p:sp>
-      <p:graphicFrame>
-        <p:nvGraphicFramePr>
           <p:cNvPr id="21" name="20 Tabla"/>
           <p:cNvGraphicFramePr>
             <a:graphicFrameLocks noGrp="1"/>
@@ -33308,13 +32941,13 @@
           <p:nvPr>
             <p:extLst>
               <p:ext uri="{D42A27DB-BD31-4B8C-83A1-F6EECF244321}">
-                <p14:modId xmlns="" xmlns:p14="http://schemas.microsoft.com/office/powerpoint/2010/main" val="2788610254"/>
+                <p14:modId xmlns:p14="http://schemas.microsoft.com/office/powerpoint/2010/main" val="3616051032"/>
               </p:ext>
             </p:extLst>
           </p:nvPr>
         </p:nvGraphicFramePr>
         <p:xfrm>
-          <a:off x="611560" y="3933056"/>
+          <a:off x="576457" y="2378842"/>
           <a:ext cx="7776864" cy="640080"/>
         </p:xfrm>
         <a:graphic>
@@ -33409,7 +33042,7 @@
         </p:nvSpPr>
         <p:spPr>
           <a:xfrm>
-            <a:off x="611560" y="3861048"/>
+            <a:off x="576457" y="2306834"/>
             <a:ext cx="7920880" cy="720080"/>
           </a:xfrm>
           <a:prstGeom prst="roundRect">
@@ -33459,7 +33092,7 @@
         </p:nvSpPr>
         <p:spPr>
           <a:xfrm>
-            <a:off x="7452320" y="4077072"/>
+            <a:off x="7417217" y="2522858"/>
             <a:ext cx="216024" cy="216024"/>
           </a:xfrm>
           <a:prstGeom prst="ellipse">
@@ -33522,51 +33155,13 @@
       </p:sp>
       <p:sp>
         <p:nvSpPr>
-          <p:cNvPr id="29" name="28 Elipse"/>
-          <p:cNvSpPr/>
-          <p:nvPr/>
-        </p:nvSpPr>
-        <p:spPr>
-          <a:xfrm>
-            <a:off x="5832140" y="2249252"/>
-            <a:ext cx="216024" cy="216024"/>
-          </a:xfrm>
-          <a:prstGeom prst="ellipse">
-            <a:avLst/>
-          </a:prstGeom>
-        </p:spPr>
-        <p:style>
-          <a:lnRef idx="0">
-            <a:schemeClr val="accent2"/>
-          </a:lnRef>
-          <a:fillRef idx="3">
-            <a:schemeClr val="accent2"/>
-          </a:fillRef>
-          <a:effectRef idx="3">
-            <a:schemeClr val="accent2"/>
-          </a:effectRef>
-          <a:fontRef idx="minor">
-            <a:schemeClr val="lt1"/>
-          </a:fontRef>
-        </p:style>
-        <p:txBody>
-          <a:bodyPr rtlCol="0" anchor="ctr"/>
-          <a:lstStyle/>
-          <a:p>
-            <a:pPr algn="ctr"/>
-            <a:endParaRPr lang="es-PE"/>
-          </a:p>
-        </p:txBody>
-      </p:sp>
-      <p:sp>
-        <p:nvSpPr>
           <p:cNvPr id="31" name="30 Elipse"/>
           <p:cNvSpPr/>
           <p:nvPr/>
         </p:nvSpPr>
         <p:spPr>
           <a:xfrm>
-            <a:off x="5868144" y="4077072"/>
+            <a:off x="5833041" y="2522858"/>
             <a:ext cx="216024" cy="216024"/>
           </a:xfrm>
           <a:prstGeom prst="ellipse">
@@ -33605,13 +33200,13 @@
           <p:nvPr>
             <p:extLst>
               <p:ext uri="{D42A27DB-BD31-4B8C-83A1-F6EECF244321}">
-                <p14:modId xmlns="" xmlns:p14="http://schemas.microsoft.com/office/powerpoint/2010/main" val="2112582192"/>
+                <p14:modId xmlns:p14="http://schemas.microsoft.com/office/powerpoint/2010/main" val="1971983758"/>
               </p:ext>
             </p:extLst>
           </p:nvPr>
         </p:nvGraphicFramePr>
         <p:xfrm>
-          <a:off x="611560" y="4899248"/>
+          <a:off x="576457" y="3345034"/>
           <a:ext cx="7776864" cy="978024"/>
         </p:xfrm>
         <a:graphic>
@@ -33635,7 +33230,7 @@
                       <a:r>
                         <a:rPr lang="es-PE" sz="1200" b="0" kern="1200" cap="all" baseline="0" dirty="0" smtClean="0">
                           <a:solidFill>
-                            <a:sysClr val="windowText" lastClr="000000"/>
+                            <a:schemeClr val="tx1"/>
                           </a:solidFill>
                           <a:latin typeface="+mn-lt"/>
                           <a:ea typeface="+mn-ea"/>
@@ -33645,7 +33240,7 @@
                       </a:r>
                       <a:endParaRPr lang="es-PE" sz="1200" b="0" kern="1200" cap="all" baseline="0" dirty="0">
                         <a:solidFill>
-                          <a:sysClr val="windowText" lastClr="000000"/>
+                          <a:schemeClr val="tx1"/>
                         </a:solidFill>
                         <a:latin typeface="+mn-lt"/>
                         <a:ea typeface="+mn-ea"/>
@@ -33704,7 +33299,7 @@
         </p:nvSpPr>
         <p:spPr>
           <a:xfrm>
-            <a:off x="611560" y="4869160"/>
+            <a:off x="576457" y="3314946"/>
             <a:ext cx="7920880" cy="792088"/>
           </a:xfrm>
           <a:prstGeom prst="roundRect">
@@ -33754,7 +33349,7 @@
         </p:nvSpPr>
         <p:spPr>
           <a:xfrm>
-            <a:off x="7452320" y="5085184"/>
+            <a:off x="7417217" y="3530970"/>
             <a:ext cx="216024" cy="216024"/>
           </a:xfrm>
           <a:prstGeom prst="ellipse">
@@ -33786,13 +33381,13 @@
       </p:sp>
       <p:sp>
         <p:nvSpPr>
-          <p:cNvPr id="37" name="36 Elipse"/>
+          <p:cNvPr id="38" name="37 Elipse"/>
           <p:cNvSpPr/>
           <p:nvPr/>
         </p:nvSpPr>
         <p:spPr>
           <a:xfrm>
-            <a:off x="5868144" y="3140968"/>
+            <a:off x="5833041" y="3530970"/>
             <a:ext cx="216024" cy="216024"/>
           </a:xfrm>
           <a:prstGeom prst="ellipse">
@@ -33801,13 +33396,188 @@
         </p:spPr>
         <p:style>
           <a:lnRef idx="0">
-            <a:schemeClr val="accent2"/>
+            <a:schemeClr val="accent6"/>
           </a:lnRef>
           <a:fillRef idx="3">
-            <a:schemeClr val="accent2"/>
+            <a:schemeClr val="accent6"/>
           </a:fillRef>
           <a:effectRef idx="3">
-            <a:schemeClr val="accent2"/>
+            <a:schemeClr val="accent6"/>
+          </a:effectRef>
+          <a:fontRef idx="minor">
+            <a:schemeClr val="lt1"/>
+          </a:fontRef>
+        </p:style>
+        <p:txBody>
+          <a:bodyPr rtlCol="0" anchor="ctr"/>
+          <a:lstStyle/>
+          <a:p>
+            <a:pPr algn="ctr"/>
+            <a:endParaRPr lang="es-PE"/>
+          </a:p>
+        </p:txBody>
+      </p:sp>
+      <p:graphicFrame>
+        <p:nvGraphicFramePr>
+          <p:cNvPr id="27" name="26 Tabla"/>
+          <p:cNvGraphicFramePr>
+            <a:graphicFrameLocks noGrp="1"/>
+          </p:cNvGraphicFramePr>
+          <p:nvPr>
+            <p:extLst>
+              <p:ext uri="{D42A27DB-BD31-4B8C-83A1-F6EECF244321}">
+                <p14:modId xmlns:p14="http://schemas.microsoft.com/office/powerpoint/2010/main" val="889923583"/>
+              </p:ext>
+            </p:extLst>
+          </p:nvPr>
+        </p:nvGraphicFramePr>
+        <p:xfrm>
+          <a:off x="611560" y="4299171"/>
+          <a:ext cx="7776864" cy="640080"/>
+        </p:xfrm>
+        <a:graphic>
+          <a:graphicData uri="http://schemas.openxmlformats.org/drawingml/2006/table">
+            <a:tbl>
+              <a:tblPr firstRow="1" bandRow="1">
+                <a:tableStyleId>{5C22544A-7EE6-4342-B048-85BDC9FD1C3A}</a:tableStyleId>
+              </a:tblPr>
+              <a:tblGrid>
+                <a:gridCol w="4556143"/>
+                <a:gridCol w="1413975"/>
+                <a:gridCol w="1806746"/>
+              </a:tblGrid>
+              <a:tr h="318904">
+                <a:tc>
+                  <a:txBody>
+                    <a:bodyPr/>
+                    <a:lstStyle/>
+                    <a:p>
+                      <a:pPr lvl="0"/>
+                      <a:r>
+                        <a:rPr lang="es-PE" sz="1200" b="0" kern="1200" cap="all" baseline="0" dirty="0" smtClean="0">
+                          <a:solidFill>
+                            <a:sysClr val="windowText" lastClr="000000"/>
+                          </a:solidFill>
+                          <a:latin typeface="+mn-lt"/>
+                          <a:ea typeface="+mn-ea"/>
+                          <a:cs typeface="+mn-cs"/>
+                        </a:rPr>
+                        <a:t>Retraso en la presentación de entregables y/o </a:t>
+                      </a:r>
+                      <a:r>
+                        <a:rPr lang="es-PE" sz="1200" b="0" kern="1200" cap="all" baseline="0" dirty="0" smtClean="0">
+                          <a:solidFill>
+                            <a:sysClr val="windowText" lastClr="000000"/>
+                          </a:solidFill>
+                          <a:latin typeface="+mn-lt"/>
+                          <a:ea typeface="+mn-ea"/>
+                          <a:cs typeface="+mn-cs"/>
+                        </a:rPr>
+                        <a:t>artefactos, DEBIDO A FALTA DE COMUNICACIÓN CON LOS DEMAS PROYECTOS</a:t>
+                      </a:r>
+                      <a:endParaRPr lang="es-PE" sz="1200" b="0" kern="1200" cap="all" baseline="0" dirty="0">
+                        <a:solidFill>
+                          <a:sysClr val="windowText" lastClr="000000"/>
+                        </a:solidFill>
+                        <a:latin typeface="+mn-lt"/>
+                        <a:ea typeface="+mn-ea"/>
+                        <a:cs typeface="+mn-cs"/>
+                      </a:endParaRPr>
+                    </a:p>
+                  </a:txBody>
+                  <a:tcPr marL="137160" marR="137160" marT="137160" marB="137160">
+                    <a:noFill/>
+                  </a:tcPr>
+                </a:tc>
+                <a:tc>
+                  <a:txBody>
+                    <a:bodyPr/>
+                    <a:lstStyle/>
+                    <a:p>
+                      <a:pPr algn="ctr"/>
+                      <a:endParaRPr lang="en-US" sz="1200" b="0" kern="1200" cap="all" baseline="0" dirty="0" smtClean="0">
+                        <a:solidFill>
+                          <a:sysClr val="windowText" lastClr="000000"/>
+                        </a:solidFill>
+                        <a:latin typeface="+mn-lt"/>
+                        <a:ea typeface="+mn-ea"/>
+                        <a:cs typeface="+mn-cs"/>
+                      </a:endParaRPr>
+                    </a:p>
+                    <a:p>
+                      <a:pPr algn="ctr"/>
+                      <a:endParaRPr lang="es-PE" sz="1200" b="0" kern="1200" cap="all" baseline="0" dirty="0">
+                        <a:solidFill>
+                          <a:sysClr val="windowText" lastClr="000000"/>
+                        </a:solidFill>
+                        <a:latin typeface="+mn-lt"/>
+                        <a:ea typeface="+mn-ea"/>
+                        <a:cs typeface="+mn-cs"/>
+                      </a:endParaRPr>
+                    </a:p>
+                  </a:txBody>
+                  <a:tcPr marL="137160" marR="137160" marT="137160" marB="137160">
+                    <a:noFill/>
+                  </a:tcPr>
+                </a:tc>
+                <a:tc>
+                  <a:txBody>
+                    <a:bodyPr/>
+                    <a:lstStyle/>
+                    <a:p>
+                      <a:pPr algn="ctr"/>
+                      <a:endParaRPr lang="es-PE" b="0" dirty="0">
+                        <a:solidFill>
+                          <a:sysClr val="windowText" lastClr="000000"/>
+                        </a:solidFill>
+                      </a:endParaRPr>
+                    </a:p>
+                  </a:txBody>
+                  <a:tcPr marL="137160" marR="137160" marT="137160" marB="137160">
+                    <a:noFill/>
+                  </a:tcPr>
+                </a:tc>
+              </a:tr>
+            </a:tbl>
+          </a:graphicData>
+        </a:graphic>
+      </p:graphicFrame>
+      <p:sp>
+        <p:nvSpPr>
+          <p:cNvPr id="30" name="29 Rectángulo redondeado"/>
+          <p:cNvSpPr/>
+          <p:nvPr/>
+        </p:nvSpPr>
+        <p:spPr>
+          <a:xfrm>
+            <a:off x="611560" y="4334235"/>
+            <a:ext cx="7920880" cy="792088"/>
+          </a:xfrm>
+          <a:prstGeom prst="roundRect">
+            <a:avLst/>
+          </a:prstGeom>
+          <a:noFill/>
+          <a:ln>
+            <a:solidFill>
+              <a:schemeClr val="tx2">
+                <a:lumMod val="60000"/>
+                <a:lumOff val="40000"/>
+              </a:schemeClr>
+            </a:solidFill>
+            <a:prstDash val="dash"/>
+          </a:ln>
+        </p:spPr>
+        <p:style>
+          <a:lnRef idx="2">
+            <a:schemeClr val="accent1">
+              <a:shade val="50000"/>
+            </a:schemeClr>
+          </a:lnRef>
+          <a:fillRef idx="1">
+            <a:schemeClr val="accent1"/>
+          </a:fillRef>
+          <a:effectRef idx="0">
+            <a:schemeClr val="accent1"/>
           </a:effectRef>
           <a:fontRef idx="minor">
             <a:schemeClr val="lt1"/>
@@ -33824,13 +33594,51 @@
       </p:sp>
       <p:sp>
         <p:nvSpPr>
-          <p:cNvPr id="38" name="37 Elipse"/>
+          <p:cNvPr id="32" name="31 Elipse"/>
           <p:cNvSpPr/>
           <p:nvPr/>
         </p:nvSpPr>
         <p:spPr>
           <a:xfrm>
-            <a:off x="5868144" y="5085184"/>
+            <a:off x="7473932" y="4594647"/>
+            <a:ext cx="216024" cy="216024"/>
+          </a:xfrm>
+          <a:prstGeom prst="ellipse">
+            <a:avLst/>
+          </a:prstGeom>
+        </p:spPr>
+        <p:style>
+          <a:lnRef idx="0">
+            <a:schemeClr val="accent3"/>
+          </a:lnRef>
+          <a:fillRef idx="3">
+            <a:schemeClr val="accent3"/>
+          </a:fillRef>
+          <a:effectRef idx="3">
+            <a:schemeClr val="accent3"/>
+          </a:effectRef>
+          <a:fontRef idx="minor">
+            <a:schemeClr val="lt1"/>
+          </a:fontRef>
+        </p:style>
+        <p:txBody>
+          <a:bodyPr rtlCol="0" anchor="ctr"/>
+          <a:lstStyle/>
+          <a:p>
+            <a:pPr algn="ctr"/>
+            <a:endParaRPr lang="es-PE"/>
+          </a:p>
+        </p:txBody>
+      </p:sp>
+      <p:sp>
+        <p:nvSpPr>
+          <p:cNvPr id="36" name="35 Elipse"/>
+          <p:cNvSpPr/>
+          <p:nvPr/>
+        </p:nvSpPr>
+        <p:spPr>
+          <a:xfrm>
+            <a:off x="5832140" y="4594647"/>
             <a:ext cx="216024" cy="216024"/>
           </a:xfrm>
           <a:prstGeom prst="ellipse">
